--- a/Sprints/Reuniões Semanais/slides-apresentacao.pptx
+++ b/Sprints/Reuniões Semanais/slides-apresentacao.pptx
@@ -5,10 +5,10 @@
     <p:sldMasterId id="2147483648" r:id="rId4"/>
   </p:sldMasterIdLst>
   <p:notesMasterIdLst>
-    <p:notesMasterId r:id="rId21"/>
+    <p:notesMasterId r:id="rId22"/>
   </p:notesMasterIdLst>
   <p:handoutMasterIdLst>
-    <p:handoutMasterId r:id="rId22"/>
+    <p:handoutMasterId r:id="rId23"/>
   </p:handoutMasterIdLst>
   <p:sldIdLst>
     <p:sldId id="256" r:id="rId5"/>
@@ -27,6 +27,7 @@
     <p:sldId id="293" r:id="rId18"/>
     <p:sldId id="295" r:id="rId19"/>
     <p:sldId id="294" r:id="rId20"/>
+    <p:sldId id="296" r:id="rId21"/>
   </p:sldIdLst>
   <p:sldSz cx="12188825" cy="6858000"/>
   <p:notesSz cx="6858000" cy="9144000"/>
@@ -1384,6 +1385,92 @@
     <p:extLst>
       <p:ext uri="{BB962C8B-B14F-4D97-AF65-F5344CB8AC3E}">
         <p14:creationId xmlns:p14="http://schemas.microsoft.com/office/powerpoint/2010/main" val="3341828383"/>
+      </p:ext>
+    </p:extLst>
+  </p:cSld>
+  <p:clrMapOvr>
+    <a:masterClrMapping/>
+  </p:clrMapOvr>
+</p:notes>
+</file>
+
+<file path=ppt/notesSlides/notesSlide17.xml><?xml version="1.0" encoding="utf-8"?>
+<p:notes xmlns:a="http://schemas.openxmlformats.org/drawingml/2006/main" xmlns:r="http://schemas.openxmlformats.org/officeDocument/2006/relationships" xmlns:p="http://schemas.openxmlformats.org/presentationml/2006/main">
+  <p:cSld>
+    <p:spTree>
+      <p:nvGrpSpPr>
+        <p:cNvPr id="1" name=""/>
+        <p:cNvGrpSpPr/>
+        <p:nvPr/>
+      </p:nvGrpSpPr>
+      <p:grpSpPr>
+        <a:xfrm>
+          <a:off x="0" y="0"/>
+          <a:ext cx="0" cy="0"/>
+          <a:chOff x="0" y="0"/>
+          <a:chExt cx="0" cy="0"/>
+        </a:xfrm>
+      </p:grpSpPr>
+      <p:sp>
+        <p:nvSpPr>
+          <p:cNvPr id="2" name="Espaço Reservado para Imagem de Slide 1"/>
+          <p:cNvSpPr>
+            <a:spLocks noGrp="1" noRot="1" noChangeAspect="1"/>
+          </p:cNvSpPr>
+          <p:nvPr>
+            <p:ph type="sldImg"/>
+          </p:nvPr>
+        </p:nvSpPr>
+        <p:spPr/>
+      </p:sp>
+      <p:sp>
+        <p:nvSpPr>
+          <p:cNvPr id="3" name="Espaço Reservado para Anotações 2"/>
+          <p:cNvSpPr>
+            <a:spLocks noGrp="1"/>
+          </p:cNvSpPr>
+          <p:nvPr>
+            <p:ph type="body" idx="1"/>
+          </p:nvPr>
+        </p:nvSpPr>
+        <p:spPr/>
+        <p:txBody>
+          <a:bodyPr/>
+          <a:lstStyle/>
+          <a:p>
+            <a:endParaRPr lang="pt-BR" dirty="0"/>
+          </a:p>
+        </p:txBody>
+      </p:sp>
+      <p:sp>
+        <p:nvSpPr>
+          <p:cNvPr id="4" name="Espaço Reservado para Número de Slide 3"/>
+          <p:cNvSpPr>
+            <a:spLocks noGrp="1"/>
+          </p:cNvSpPr>
+          <p:nvPr>
+            <p:ph type="sldNum" sz="quarter" idx="10"/>
+          </p:nvPr>
+        </p:nvSpPr>
+        <p:spPr/>
+        <p:txBody>
+          <a:bodyPr/>
+          <a:lstStyle/>
+          <a:p>
+            <a:pPr rtl="0"/>
+            <a:fld id="{841221E5-7225-48EB-A4EE-420E7BFCF705}" type="slidenum">
+              <a:rPr lang="pt-BR" smtClean="0"/>
+              <a:pPr rtl="0"/>
+              <a:t>17</a:t>
+            </a:fld>
+            <a:endParaRPr lang="pt-BR" dirty="0"/>
+          </a:p>
+        </p:txBody>
+      </p:sp>
+    </p:spTree>
+    <p:extLst>
+      <p:ext uri="{BB962C8B-B14F-4D97-AF65-F5344CB8AC3E}">
+        <p14:creationId xmlns:p14="http://schemas.microsoft.com/office/powerpoint/2010/main" val="2671464656"/>
       </p:ext>
     </p:extLst>
   </p:cSld>
@@ -16783,6 +16870,948 @@
     <p:extLst>
       <p:ext uri="{BB962C8B-B14F-4D97-AF65-F5344CB8AC3E}">
         <p14:creationId xmlns:p14="http://schemas.microsoft.com/office/powerpoint/2010/main" val="40446795"/>
+      </p:ext>
+    </p:extLst>
+  </p:cSld>
+  <p:clrMapOvr>
+    <a:masterClrMapping/>
+  </p:clrMapOvr>
+  <mc:AlternateContent xmlns:mc="http://schemas.openxmlformats.org/markup-compatibility/2006" xmlns:p14="http://schemas.microsoft.com/office/powerpoint/2010/main">
+    <mc:Choice Requires="p14">
+      <p:transition spd="med" p14:dur="700">
+        <p:fade/>
+      </p:transition>
+    </mc:Choice>
+    <mc:Fallback xmlns="">
+      <p:transition spd="med">
+        <p:fade/>
+      </p:transition>
+    </mc:Fallback>
+  </mc:AlternateContent>
+</p:sld>
+</file>
+
+<file path=ppt/slides/slide17.xml><?xml version="1.0" encoding="utf-8"?>
+<p:sld xmlns:a="http://schemas.openxmlformats.org/drawingml/2006/main" xmlns:r="http://schemas.openxmlformats.org/officeDocument/2006/relationships" xmlns:p="http://schemas.openxmlformats.org/presentationml/2006/main">
+  <p:cSld>
+    <p:spTree>
+      <p:nvGrpSpPr>
+        <p:cNvPr id="1" name=""/>
+        <p:cNvGrpSpPr/>
+        <p:nvPr/>
+      </p:nvGrpSpPr>
+      <p:grpSpPr>
+        <a:xfrm>
+          <a:off x="0" y="0"/>
+          <a:ext cx="0" cy="0"/>
+          <a:chOff x="0" y="0"/>
+          <a:chExt cx="0" cy="0"/>
+        </a:xfrm>
+      </p:grpSpPr>
+      <p:sp>
+        <p:nvSpPr>
+          <p:cNvPr id="7" name="Espaço Reservado para Rodapé 6"/>
+          <p:cNvSpPr>
+            <a:spLocks noGrp="1"/>
+          </p:cNvSpPr>
+          <p:nvPr>
+            <p:ph type="ftr" sz="quarter" idx="11"/>
+          </p:nvPr>
+        </p:nvSpPr>
+        <p:spPr/>
+        <p:txBody>
+          <a:bodyPr/>
+          <a:lstStyle/>
+          <a:p>
+            <a:pPr rtl="0"/>
+            <a:r>
+              <a:rPr lang="pt-BR" noProof="0" dirty="0"/>
+              <a:t>Equipe_04</a:t>
+            </a:r>
+          </a:p>
+        </p:txBody>
+      </p:sp>
+      <p:sp>
+        <p:nvSpPr>
+          <p:cNvPr id="8" name="Espaço Reservado para Número de Slide 7"/>
+          <p:cNvSpPr>
+            <a:spLocks noGrp="1"/>
+          </p:cNvSpPr>
+          <p:nvPr>
+            <p:ph type="sldNum" sz="quarter" idx="12"/>
+          </p:nvPr>
+        </p:nvSpPr>
+        <p:spPr/>
+        <p:txBody>
+          <a:bodyPr/>
+          <a:lstStyle/>
+          <a:p>
+            <a:pPr rtl="0"/>
+            <a:fld id="{7DC1BBB0-96F0-4077-A278-0F3FB5C104D3}" type="slidenum">
+              <a:rPr lang="pt-BR" noProof="0" smtClean="0"/>
+              <a:pPr rtl="0"/>
+              <a:t>17</a:t>
+            </a:fld>
+            <a:endParaRPr lang="pt-BR" noProof="0" dirty="0"/>
+          </a:p>
+        </p:txBody>
+      </p:sp>
+      <p:sp>
+        <p:nvSpPr>
+          <p:cNvPr id="5" name="Espaço reservado para conteúdo 13">
+            <a:extLst>
+              <a:ext uri="{FF2B5EF4-FFF2-40B4-BE49-F238E27FC236}">
+                <a16:creationId xmlns:a16="http://schemas.microsoft.com/office/drawing/2014/main" id="{00D5599C-F27A-985B-0D0A-BFDAB1066500}"/>
+              </a:ext>
+            </a:extLst>
+          </p:cNvPr>
+          <p:cNvSpPr txBox="1">
+            <a:spLocks/>
+          </p:cNvSpPr>
+          <p:nvPr/>
+        </p:nvSpPr>
+        <p:spPr>
+          <a:xfrm>
+            <a:off x="1125860" y="2537492"/>
+            <a:ext cx="9685552" cy="3483796"/>
+          </a:xfrm>
+          <a:prstGeom prst="rect">
+            <a:avLst/>
+          </a:prstGeom>
+        </p:spPr>
+        <p:txBody>
+          <a:bodyPr rtlCol="0">
+            <a:normAutofit/>
+          </a:bodyPr>
+          <a:lstStyle>
+            <a:lvl1pPr marL="246888" indent="-246888" algn="l" defTabSz="914400" rtl="0" eaLnBrk="1" latinLnBrk="0" hangingPunct="1">
+              <a:lnSpc>
+                <a:spcPct val="90000"/>
+              </a:lnSpc>
+              <a:spcBef>
+                <a:spcPts val="1400"/>
+              </a:spcBef>
+              <a:buFont typeface="Euphemia" pitchFamily="34" charset="0"/>
+              <a:buChar char="›"/>
+              <a:defRPr sz="2800" kern="1200">
+                <a:solidFill>
+                  <a:schemeClr val="tx1"/>
+                </a:solidFill>
+                <a:latin typeface="+mn-lt"/>
+                <a:ea typeface="+mn-ea"/>
+                <a:cs typeface="+mn-cs"/>
+              </a:defRPr>
+            </a:lvl1pPr>
+            <a:lvl2pPr marL="612648" indent="-246888" algn="l" defTabSz="914400" rtl="0" eaLnBrk="1" latinLnBrk="0" hangingPunct="1">
+              <a:lnSpc>
+                <a:spcPct val="90000"/>
+              </a:lnSpc>
+              <a:spcBef>
+                <a:spcPts val="600"/>
+              </a:spcBef>
+              <a:buFont typeface="Euphemia" pitchFamily="34" charset="0"/>
+              <a:buChar char="–"/>
+              <a:defRPr sz="2400" kern="1200">
+                <a:solidFill>
+                  <a:schemeClr val="tx1"/>
+                </a:solidFill>
+                <a:latin typeface="+mn-lt"/>
+                <a:ea typeface="+mn-ea"/>
+                <a:cs typeface="+mn-cs"/>
+              </a:defRPr>
+            </a:lvl2pPr>
+            <a:lvl3pPr marL="978408" indent="-246888" algn="l" defTabSz="914400" rtl="0" eaLnBrk="1" latinLnBrk="0" hangingPunct="1">
+              <a:lnSpc>
+                <a:spcPct val="90000"/>
+              </a:lnSpc>
+              <a:spcBef>
+                <a:spcPts val="600"/>
+              </a:spcBef>
+              <a:buFont typeface="Euphemia" pitchFamily="34" charset="0"/>
+              <a:buChar char="›"/>
+              <a:defRPr sz="2000" kern="1200">
+                <a:solidFill>
+                  <a:schemeClr val="tx1"/>
+                </a:solidFill>
+                <a:latin typeface="+mn-lt"/>
+                <a:ea typeface="+mn-ea"/>
+                <a:cs typeface="+mn-cs"/>
+              </a:defRPr>
+            </a:lvl3pPr>
+            <a:lvl4pPr marL="1344168" indent="-246888" algn="l" defTabSz="914400" rtl="0" eaLnBrk="1" latinLnBrk="0" hangingPunct="1">
+              <a:lnSpc>
+                <a:spcPct val="90000"/>
+              </a:lnSpc>
+              <a:spcBef>
+                <a:spcPts val="600"/>
+              </a:spcBef>
+              <a:buFont typeface="Arial" pitchFamily="34" charset="0"/>
+              <a:buChar char="–"/>
+              <a:defRPr sz="1800" kern="1200">
+                <a:solidFill>
+                  <a:schemeClr val="tx1"/>
+                </a:solidFill>
+                <a:latin typeface="+mn-lt"/>
+                <a:ea typeface="+mn-ea"/>
+                <a:cs typeface="+mn-cs"/>
+              </a:defRPr>
+            </a:lvl4pPr>
+            <a:lvl5pPr marL="1709928" indent="-246888" algn="l" defTabSz="914400" rtl="0" eaLnBrk="1" latinLnBrk="0" hangingPunct="1">
+              <a:lnSpc>
+                <a:spcPct val="90000"/>
+              </a:lnSpc>
+              <a:spcBef>
+                <a:spcPts val="600"/>
+              </a:spcBef>
+              <a:buFont typeface="Euphemia" pitchFamily="34" charset="0"/>
+              <a:buChar char="›"/>
+              <a:defRPr sz="1800" kern="1200">
+                <a:solidFill>
+                  <a:schemeClr val="tx1"/>
+                </a:solidFill>
+                <a:latin typeface="+mn-lt"/>
+                <a:ea typeface="+mn-ea"/>
+                <a:cs typeface="+mn-cs"/>
+              </a:defRPr>
+            </a:lvl5pPr>
+            <a:lvl6pPr marL="2075688" indent="-246888" algn="l" defTabSz="914400" rtl="0" eaLnBrk="1" latinLnBrk="0" hangingPunct="1">
+              <a:lnSpc>
+                <a:spcPct val="90000"/>
+              </a:lnSpc>
+              <a:spcBef>
+                <a:spcPts val="600"/>
+              </a:spcBef>
+              <a:buFont typeface="Euphemia" pitchFamily="34" charset="0"/>
+              <a:buChar char="–"/>
+              <a:defRPr sz="1800" kern="1200">
+                <a:solidFill>
+                  <a:schemeClr val="tx1"/>
+                </a:solidFill>
+                <a:latin typeface="+mn-lt"/>
+                <a:ea typeface="+mn-ea"/>
+                <a:cs typeface="+mn-cs"/>
+              </a:defRPr>
+            </a:lvl6pPr>
+            <a:lvl7pPr marL="2441448" indent="-246888" algn="l" defTabSz="914400" rtl="0" eaLnBrk="1" latinLnBrk="0" hangingPunct="1">
+              <a:lnSpc>
+                <a:spcPct val="90000"/>
+              </a:lnSpc>
+              <a:spcBef>
+                <a:spcPts val="600"/>
+              </a:spcBef>
+              <a:buFont typeface="Euphemia" pitchFamily="34" charset="0"/>
+              <a:buChar char="›"/>
+              <a:defRPr sz="1800" kern="1200">
+                <a:solidFill>
+                  <a:schemeClr val="tx1"/>
+                </a:solidFill>
+                <a:latin typeface="+mn-lt"/>
+                <a:ea typeface="+mn-ea"/>
+                <a:cs typeface="+mn-cs"/>
+              </a:defRPr>
+            </a:lvl7pPr>
+            <a:lvl8pPr marL="2807208" indent="-246888" algn="l" defTabSz="914400" rtl="0" eaLnBrk="1" latinLnBrk="0" hangingPunct="1">
+              <a:lnSpc>
+                <a:spcPct val="90000"/>
+              </a:lnSpc>
+              <a:spcBef>
+                <a:spcPts val="600"/>
+              </a:spcBef>
+              <a:buFont typeface="Euphemia" pitchFamily="34" charset="0"/>
+              <a:buChar char="–"/>
+              <a:defRPr sz="1800" kern="1200" baseline="0">
+                <a:solidFill>
+                  <a:schemeClr val="tx1"/>
+                </a:solidFill>
+                <a:latin typeface="+mn-lt"/>
+                <a:ea typeface="+mn-ea"/>
+                <a:cs typeface="+mn-cs"/>
+              </a:defRPr>
+            </a:lvl8pPr>
+            <a:lvl9pPr marL="3172968" indent="-246888" algn="l" defTabSz="914400" rtl="0" eaLnBrk="1" latinLnBrk="0" hangingPunct="1">
+              <a:lnSpc>
+                <a:spcPct val="90000"/>
+              </a:lnSpc>
+              <a:spcBef>
+                <a:spcPts val="600"/>
+              </a:spcBef>
+              <a:buFont typeface="Euphemia" pitchFamily="34" charset="0"/>
+              <a:buChar char="›"/>
+              <a:defRPr sz="1800" kern="1200" baseline="0">
+                <a:solidFill>
+                  <a:schemeClr val="tx1"/>
+                </a:solidFill>
+                <a:latin typeface="+mn-lt"/>
+                <a:ea typeface="+mn-ea"/>
+                <a:cs typeface="+mn-cs"/>
+              </a:defRPr>
+            </a:lvl9pPr>
+          </a:lstStyle>
+          <a:p>
+            <a:pPr marL="0" lvl="0" indent="0">
+              <a:buNone/>
+            </a:pPr>
+            <a:r>
+              <a:rPr lang="pt-BR" sz="1600" b="1" dirty="0">
+                <a:latin typeface="Arial" panose="020B0604020202020204" pitchFamily="34" charset="0"/>
+                <a:cs typeface="Arial" panose="020B0604020202020204" pitchFamily="34" charset="0"/>
+              </a:rPr>
+              <a:t>Documentação</a:t>
+            </a:r>
+            <a:r>
+              <a:rPr lang="pt-BR" sz="1600" b="1" dirty="0"/>
+              <a:t>:</a:t>
+            </a:r>
+          </a:p>
+          <a:p>
+            <a:pPr marL="0" lvl="0" indent="0">
+              <a:buNone/>
+            </a:pPr>
+            <a:endParaRPr lang="pt-BR" sz="1200" b="1" dirty="0">
+              <a:latin typeface="Arial" panose="020B0604020202020204" pitchFamily="34" charset="0"/>
+              <a:cs typeface="Arial" panose="020B0604020202020204" pitchFamily="34" charset="0"/>
+            </a:endParaRPr>
+          </a:p>
+          <a:p>
+            <a:pPr lvl="0" algn="just"/>
+            <a:r>
+              <a:rPr lang="pt-BR" sz="1200" b="1" dirty="0">
+                <a:latin typeface="Arial" panose="020B0604020202020204" pitchFamily="34" charset="0"/>
+                <a:cs typeface="Arial" panose="020B0604020202020204" pitchFamily="34" charset="0"/>
+              </a:rPr>
+              <a:t>Objetivo geral: </a:t>
+            </a:r>
+            <a:r>
+              <a:rPr lang="pt-BR" sz="1200" dirty="0">
+                <a:latin typeface="Arial" panose="020B0604020202020204" pitchFamily="34" charset="0"/>
+                <a:cs typeface="Arial" panose="020B0604020202020204" pitchFamily="34" charset="0"/>
+              </a:rPr>
+              <a:t>Diante do objetivo geral, decidiu-se que os colaboradores resolvessem um problema agravante no grupo social, que seria a defasagem do ensino público em relação a redação do ENEM, assim, desenvolvendo um sistema onde o mesmo consiga alcançar grandes números e elevar o nível de estudantes de escola pública.</a:t>
+            </a:r>
+          </a:p>
+          <a:p>
+            <a:pPr lvl="0"/>
+            <a:r>
+              <a:rPr lang="pt-BR" sz="1200" b="1" dirty="0">
+                <a:latin typeface="Arial" panose="020B0604020202020204" pitchFamily="34" charset="0"/>
+                <a:cs typeface="Arial" panose="020B0604020202020204" pitchFamily="34" charset="0"/>
+              </a:rPr>
+              <a:t>Objetivo específico:</a:t>
+            </a:r>
+            <a:r>
+              <a:rPr lang="pt-BR" sz="1200" dirty="0">
+                <a:latin typeface="Arial" panose="020B0604020202020204" pitchFamily="34" charset="0"/>
+                <a:cs typeface="Arial" panose="020B0604020202020204" pitchFamily="34" charset="0"/>
+              </a:rPr>
+              <a:t> Desenvolver um sistema de redação com o foco em estudantes do ensino público.</a:t>
+            </a:r>
+          </a:p>
+          <a:p>
+            <a:pPr lvl="0"/>
+            <a:r>
+              <a:rPr lang="pt-BR" sz="1200" dirty="0">
+                <a:latin typeface="Arial" panose="020B0604020202020204" pitchFamily="34" charset="0"/>
+                <a:cs typeface="Arial" panose="020B0604020202020204" pitchFamily="34" charset="0"/>
+              </a:rPr>
+              <a:t>Desenvolver as funcionalidades do sistema; Os requisitos funcionais e não funcionais.  </a:t>
+            </a:r>
+          </a:p>
+          <a:p>
+            <a:pPr lvl="0"/>
+            <a:r>
+              <a:rPr lang="pt-BR" sz="1200" dirty="0">
+                <a:latin typeface="Arial" panose="020B0604020202020204" pitchFamily="34" charset="0"/>
+                <a:cs typeface="Arial" panose="020B0604020202020204" pitchFamily="34" charset="0"/>
+              </a:rPr>
+              <a:t>Desenvolver gráficos de desempenho, analisar e corrigir aplicações dos usuários com IA.</a:t>
+            </a:r>
+          </a:p>
+          <a:p>
+            <a:pPr lvl="0"/>
+            <a:r>
+              <a:rPr lang="pt-BR" sz="1200" dirty="0">
+                <a:latin typeface="Arial" panose="020B0604020202020204" pitchFamily="34" charset="0"/>
+                <a:cs typeface="Arial" panose="020B0604020202020204" pitchFamily="34" charset="0"/>
+              </a:rPr>
+              <a:t>Realizar testes de usabilidade com usuários-alvo para feedbacks da aplicação.</a:t>
+            </a:r>
+          </a:p>
+          <a:p>
+            <a:pPr lvl="0"/>
+            <a:endParaRPr lang="pt-BR" sz="1200" dirty="0">
+              <a:latin typeface="Arial" panose="020B0604020202020204" pitchFamily="34" charset="0"/>
+              <a:cs typeface="Arial" panose="020B0604020202020204" pitchFamily="34" charset="0"/>
+            </a:endParaRPr>
+          </a:p>
+          <a:p>
+            <a:pPr lvl="0"/>
+            <a:endParaRPr lang="pt-BR" sz="1200" dirty="0">
+              <a:latin typeface="Arial" panose="020B0604020202020204" pitchFamily="34" charset="0"/>
+              <a:cs typeface="Arial" panose="020B0604020202020204" pitchFamily="34" charset="0"/>
+            </a:endParaRPr>
+          </a:p>
+          <a:p>
+            <a:pPr lvl="0"/>
+            <a:endParaRPr lang="pt-BR" sz="1200" dirty="0">
+              <a:latin typeface="Arial" panose="020B0604020202020204" pitchFamily="34" charset="0"/>
+              <a:cs typeface="Arial" panose="020B0604020202020204" pitchFamily="34" charset="0"/>
+            </a:endParaRPr>
+          </a:p>
+        </p:txBody>
+      </p:sp>
+      <p:sp>
+        <p:nvSpPr>
+          <p:cNvPr id="12" name="Título 1">
+            <a:extLst>
+              <a:ext uri="{FF2B5EF4-FFF2-40B4-BE49-F238E27FC236}">
+                <a16:creationId xmlns:a16="http://schemas.microsoft.com/office/drawing/2014/main" id="{F3501BE2-B35A-4995-85C8-2492A5B81BDC}"/>
+              </a:ext>
+            </a:extLst>
+          </p:cNvPr>
+          <p:cNvSpPr txBox="1">
+            <a:spLocks/>
+          </p:cNvSpPr>
+          <p:nvPr/>
+        </p:nvSpPr>
+        <p:spPr>
+          <a:xfrm>
+            <a:off x="1053852" y="836712"/>
+            <a:ext cx="6397054" cy="731260"/>
+          </a:xfrm>
+          <a:prstGeom prst="rect">
+            <a:avLst/>
+          </a:prstGeom>
+        </p:spPr>
+        <p:txBody>
+          <a:bodyPr vert="horz" lIns="91440" tIns="45720" rIns="91440" bIns="45720" rtlCol="0" anchor="b">
+            <a:normAutofit/>
+          </a:bodyPr>
+          <a:lstStyle>
+            <a:lvl1pPr algn="l" defTabSz="914400" rtl="0" eaLnBrk="1" latinLnBrk="0" hangingPunct="1">
+              <a:lnSpc>
+                <a:spcPct val="90000"/>
+              </a:lnSpc>
+              <a:spcBef>
+                <a:spcPct val="0"/>
+              </a:spcBef>
+              <a:buNone/>
+              <a:defRPr sz="3600" kern="1200">
+                <a:solidFill>
+                  <a:schemeClr val="tx1">
+                    <a:lumMod val="75000"/>
+                  </a:schemeClr>
+                </a:solidFill>
+                <a:latin typeface="+mj-lt"/>
+                <a:ea typeface="+mj-ea"/>
+                <a:cs typeface="+mj-cs"/>
+              </a:defRPr>
+            </a:lvl1pPr>
+          </a:lstStyle>
+          <a:p>
+            <a:r>
+              <a:rPr lang="pt-BR" sz="2400" b="1" dirty="0"/>
+              <a:t>Trabalho de Conclusão de Curso</a:t>
+            </a:r>
+          </a:p>
+        </p:txBody>
+      </p:sp>
+      <p:sp>
+        <p:nvSpPr>
+          <p:cNvPr id="13" name="Subtítulo 2">
+            <a:extLst>
+              <a:ext uri="{FF2B5EF4-FFF2-40B4-BE49-F238E27FC236}">
+                <a16:creationId xmlns:a16="http://schemas.microsoft.com/office/drawing/2014/main" id="{7FEEC4A8-07F4-4AD9-82C2-A42A1760F090}"/>
+              </a:ext>
+            </a:extLst>
+          </p:cNvPr>
+          <p:cNvSpPr txBox="1">
+            <a:spLocks/>
+          </p:cNvSpPr>
+          <p:nvPr/>
+        </p:nvSpPr>
+        <p:spPr>
+          <a:xfrm>
+            <a:off x="1053852" y="1506026"/>
+            <a:ext cx="3969503" cy="595313"/>
+          </a:xfrm>
+          <a:prstGeom prst="rect">
+            <a:avLst/>
+          </a:prstGeom>
+        </p:spPr>
+        <p:txBody>
+          <a:bodyPr vert="horz" lIns="91440" tIns="45720" rIns="91440" bIns="45720" rtlCol="0">
+            <a:normAutofit/>
+          </a:bodyPr>
+          <a:lstStyle>
+            <a:lvl1pPr marL="246888" indent="-246888" algn="l" defTabSz="914400" rtl="0" eaLnBrk="1" latinLnBrk="0" hangingPunct="1">
+              <a:lnSpc>
+                <a:spcPct val="90000"/>
+              </a:lnSpc>
+              <a:spcBef>
+                <a:spcPts val="1400"/>
+              </a:spcBef>
+              <a:buFont typeface="Euphemia" pitchFamily="34" charset="0"/>
+              <a:buChar char="›"/>
+              <a:defRPr sz="2800" kern="1200">
+                <a:solidFill>
+                  <a:schemeClr val="tx1"/>
+                </a:solidFill>
+                <a:latin typeface="+mn-lt"/>
+                <a:ea typeface="+mn-ea"/>
+                <a:cs typeface="+mn-cs"/>
+              </a:defRPr>
+            </a:lvl1pPr>
+            <a:lvl2pPr marL="612648" indent="-246888" algn="l" defTabSz="914400" rtl="0" eaLnBrk="1" latinLnBrk="0" hangingPunct="1">
+              <a:lnSpc>
+                <a:spcPct val="90000"/>
+              </a:lnSpc>
+              <a:spcBef>
+                <a:spcPts val="600"/>
+              </a:spcBef>
+              <a:buFont typeface="Euphemia" pitchFamily="34" charset="0"/>
+              <a:buChar char="–"/>
+              <a:defRPr sz="2400" kern="1200">
+                <a:solidFill>
+                  <a:schemeClr val="tx1"/>
+                </a:solidFill>
+                <a:latin typeface="+mn-lt"/>
+                <a:ea typeface="+mn-ea"/>
+                <a:cs typeface="+mn-cs"/>
+              </a:defRPr>
+            </a:lvl2pPr>
+            <a:lvl3pPr marL="978408" indent="-246888" algn="l" defTabSz="914400" rtl="0" eaLnBrk="1" latinLnBrk="0" hangingPunct="1">
+              <a:lnSpc>
+                <a:spcPct val="90000"/>
+              </a:lnSpc>
+              <a:spcBef>
+                <a:spcPts val="600"/>
+              </a:spcBef>
+              <a:buFont typeface="Euphemia" pitchFamily="34" charset="0"/>
+              <a:buChar char="›"/>
+              <a:defRPr sz="2000" kern="1200">
+                <a:solidFill>
+                  <a:schemeClr val="tx1"/>
+                </a:solidFill>
+                <a:latin typeface="+mn-lt"/>
+                <a:ea typeface="+mn-ea"/>
+                <a:cs typeface="+mn-cs"/>
+              </a:defRPr>
+            </a:lvl3pPr>
+            <a:lvl4pPr marL="1344168" indent="-246888" algn="l" defTabSz="914400" rtl="0" eaLnBrk="1" latinLnBrk="0" hangingPunct="1">
+              <a:lnSpc>
+                <a:spcPct val="90000"/>
+              </a:lnSpc>
+              <a:spcBef>
+                <a:spcPts val="600"/>
+              </a:spcBef>
+              <a:buFont typeface="Arial" pitchFamily="34" charset="0"/>
+              <a:buChar char="–"/>
+              <a:defRPr sz="1800" kern="1200">
+                <a:solidFill>
+                  <a:schemeClr val="tx1"/>
+                </a:solidFill>
+                <a:latin typeface="+mn-lt"/>
+                <a:ea typeface="+mn-ea"/>
+                <a:cs typeface="+mn-cs"/>
+              </a:defRPr>
+            </a:lvl4pPr>
+            <a:lvl5pPr marL="1709928" indent="-246888" algn="l" defTabSz="914400" rtl="0" eaLnBrk="1" latinLnBrk="0" hangingPunct="1">
+              <a:lnSpc>
+                <a:spcPct val="90000"/>
+              </a:lnSpc>
+              <a:spcBef>
+                <a:spcPts val="600"/>
+              </a:spcBef>
+              <a:buFont typeface="Euphemia" pitchFamily="34" charset="0"/>
+              <a:buChar char="›"/>
+              <a:defRPr sz="1800" kern="1200">
+                <a:solidFill>
+                  <a:schemeClr val="tx1"/>
+                </a:solidFill>
+                <a:latin typeface="+mn-lt"/>
+                <a:ea typeface="+mn-ea"/>
+                <a:cs typeface="+mn-cs"/>
+              </a:defRPr>
+            </a:lvl5pPr>
+            <a:lvl6pPr marL="2075688" indent="-246888" algn="l" defTabSz="914400" rtl="0" eaLnBrk="1" latinLnBrk="0" hangingPunct="1">
+              <a:lnSpc>
+                <a:spcPct val="90000"/>
+              </a:lnSpc>
+              <a:spcBef>
+                <a:spcPts val="600"/>
+              </a:spcBef>
+              <a:buFont typeface="Euphemia" pitchFamily="34" charset="0"/>
+              <a:buChar char="–"/>
+              <a:defRPr sz="1800" kern="1200">
+                <a:solidFill>
+                  <a:schemeClr val="tx1"/>
+                </a:solidFill>
+                <a:latin typeface="+mn-lt"/>
+                <a:ea typeface="+mn-ea"/>
+                <a:cs typeface="+mn-cs"/>
+              </a:defRPr>
+            </a:lvl6pPr>
+            <a:lvl7pPr marL="2441448" indent="-246888" algn="l" defTabSz="914400" rtl="0" eaLnBrk="1" latinLnBrk="0" hangingPunct="1">
+              <a:lnSpc>
+                <a:spcPct val="90000"/>
+              </a:lnSpc>
+              <a:spcBef>
+                <a:spcPts val="600"/>
+              </a:spcBef>
+              <a:buFont typeface="Euphemia" pitchFamily="34" charset="0"/>
+              <a:buChar char="›"/>
+              <a:defRPr sz="1800" kern="1200">
+                <a:solidFill>
+                  <a:schemeClr val="tx1"/>
+                </a:solidFill>
+                <a:latin typeface="+mn-lt"/>
+                <a:ea typeface="+mn-ea"/>
+                <a:cs typeface="+mn-cs"/>
+              </a:defRPr>
+            </a:lvl7pPr>
+            <a:lvl8pPr marL="2807208" indent="-246888" algn="l" defTabSz="914400" rtl="0" eaLnBrk="1" latinLnBrk="0" hangingPunct="1">
+              <a:lnSpc>
+                <a:spcPct val="90000"/>
+              </a:lnSpc>
+              <a:spcBef>
+                <a:spcPts val="600"/>
+              </a:spcBef>
+              <a:buFont typeface="Euphemia" pitchFamily="34" charset="0"/>
+              <a:buChar char="–"/>
+              <a:defRPr sz="1800" kern="1200" baseline="0">
+                <a:solidFill>
+                  <a:schemeClr val="tx1"/>
+                </a:solidFill>
+                <a:latin typeface="+mn-lt"/>
+                <a:ea typeface="+mn-ea"/>
+                <a:cs typeface="+mn-cs"/>
+              </a:defRPr>
+            </a:lvl8pPr>
+            <a:lvl9pPr marL="3172968" indent="-246888" algn="l" defTabSz="914400" rtl="0" eaLnBrk="1" latinLnBrk="0" hangingPunct="1">
+              <a:lnSpc>
+                <a:spcPct val="90000"/>
+              </a:lnSpc>
+              <a:spcBef>
+                <a:spcPts val="600"/>
+              </a:spcBef>
+              <a:buFont typeface="Euphemia" pitchFamily="34" charset="0"/>
+              <a:buChar char="›"/>
+              <a:defRPr sz="1800" kern="1200" baseline="0">
+                <a:solidFill>
+                  <a:schemeClr val="tx1"/>
+                </a:solidFill>
+                <a:latin typeface="+mn-lt"/>
+                <a:ea typeface="+mn-ea"/>
+                <a:cs typeface="+mn-cs"/>
+              </a:defRPr>
+            </a:lvl9pPr>
+          </a:lstStyle>
+          <a:p>
+            <a:pPr marL="0" indent="0">
+              <a:buFont typeface="Euphemia" pitchFamily="34" charset="0"/>
+              <a:buNone/>
+            </a:pPr>
+            <a:r>
+              <a:rPr lang="pt-BR" sz="1800" dirty="0"/>
+              <a:t>Desenvolvimento de Sistemas</a:t>
+            </a:r>
+          </a:p>
+        </p:txBody>
+      </p:sp>
+      <p:grpSp>
+        <p:nvGrpSpPr>
+          <p:cNvPr id="14" name="Agrupar 13">
+            <a:extLst>
+              <a:ext uri="{FF2B5EF4-FFF2-40B4-BE49-F238E27FC236}">
+                <a16:creationId xmlns:a16="http://schemas.microsoft.com/office/drawing/2014/main" id="{28C9900E-F1CC-4BE7-928F-0A2F1D43B25F}"/>
+              </a:ext>
+            </a:extLst>
+          </p:cNvPr>
+          <p:cNvGrpSpPr/>
+          <p:nvPr/>
+        </p:nvGrpSpPr>
+        <p:grpSpPr>
+          <a:xfrm>
+            <a:off x="2629213" y="0"/>
+            <a:ext cx="6913821" cy="620688"/>
+            <a:chOff x="2629213" y="0"/>
+            <a:chExt cx="6913821" cy="620688"/>
+          </a:xfrm>
+        </p:grpSpPr>
+        <p:pic>
+          <p:nvPicPr>
+            <p:cNvPr id="15" name="Imagem 14">
+              <a:extLst>
+                <a:ext uri="{FF2B5EF4-FFF2-40B4-BE49-F238E27FC236}">
+                  <a16:creationId xmlns:a16="http://schemas.microsoft.com/office/drawing/2014/main" id="{17961CBA-A4C8-42AD-BC69-D633DC8D60C7}"/>
+                </a:ext>
+              </a:extLst>
+            </p:cNvPr>
+            <p:cNvPicPr>
+              <a:picLocks noChangeAspect="1"/>
+            </p:cNvPicPr>
+            <p:nvPr/>
+          </p:nvPicPr>
+          <p:blipFill>
+            <a:blip r:embed="rId3"/>
+            <a:stretch>
+              <a:fillRect/>
+            </a:stretch>
+          </p:blipFill>
+          <p:spPr>
+            <a:xfrm>
+              <a:off x="7544163" y="84791"/>
+              <a:ext cx="1998871" cy="444194"/>
+            </a:xfrm>
+            <a:prstGeom prst="rect">
+              <a:avLst/>
+            </a:prstGeom>
+          </p:spPr>
+        </p:pic>
+        <p:pic>
+          <p:nvPicPr>
+            <p:cNvPr id="16" name="Imagem 15" descr="Desenho com traços pretos em fundo branco e letras pretas em fundo branco&#10;&#10;Descrição gerada automaticamente com confiança média">
+              <a:extLst>
+                <a:ext uri="{FF2B5EF4-FFF2-40B4-BE49-F238E27FC236}">
+                  <a16:creationId xmlns:a16="http://schemas.microsoft.com/office/drawing/2014/main" id="{AA02075C-F6AE-4B2B-979B-D8D6D9606364}"/>
+                </a:ext>
+              </a:extLst>
+            </p:cNvPr>
+            <p:cNvPicPr>
+              <a:picLocks noChangeAspect="1" noChangeArrowheads="1"/>
+            </p:cNvPicPr>
+            <p:nvPr/>
+          </p:nvPicPr>
+          <p:blipFill>
+            <a:blip r:embed="rId4">
+              <a:extLst>
+                <a:ext uri="{28A0092B-C50C-407E-A947-70E740481C1C}">
+                  <a14:useLocalDpi xmlns:a14="http://schemas.microsoft.com/office/drawing/2010/main" val="0"/>
+                </a:ext>
+              </a:extLst>
+            </a:blip>
+            <a:srcRect/>
+            <a:stretch>
+              <a:fillRect/>
+            </a:stretch>
+          </p:blipFill>
+          <p:spPr bwMode="auto">
+            <a:xfrm>
+              <a:off x="2948617" y="116632"/>
+              <a:ext cx="673021" cy="444194"/>
+            </a:xfrm>
+            <a:prstGeom prst="rect">
+              <a:avLst/>
+            </a:prstGeom>
+            <a:noFill/>
+            <a:extLst>
+              <a:ext uri="{909E8E84-426E-40DD-AFC4-6F175D3DCCD1}">
+                <a14:hiddenFill xmlns:a14="http://schemas.microsoft.com/office/drawing/2010/main">
+                  <a:solidFill>
+                    <a:srgbClr val="FFFFFF"/>
+                  </a:solidFill>
+                </a14:hiddenFill>
+              </a:ext>
+            </a:extLst>
+          </p:spPr>
+        </p:pic>
+        <p:pic>
+          <p:nvPicPr>
+            <p:cNvPr id="17" name="Imagem 16">
+              <a:extLst>
+                <a:ext uri="{FF2B5EF4-FFF2-40B4-BE49-F238E27FC236}">
+                  <a16:creationId xmlns:a16="http://schemas.microsoft.com/office/drawing/2014/main" id="{EB7BD9FA-6FFC-4E6B-B1A6-7FDDF8C9F773}"/>
+                </a:ext>
+              </a:extLst>
+            </p:cNvPr>
+            <p:cNvPicPr>
+              <a:picLocks noChangeAspect="1"/>
+            </p:cNvPicPr>
+            <p:nvPr/>
+          </p:nvPicPr>
+          <p:blipFill>
+            <a:blip r:embed="rId5"/>
+            <a:stretch>
+              <a:fillRect/>
+            </a:stretch>
+          </p:blipFill>
+          <p:spPr>
+            <a:xfrm>
+              <a:off x="5250549" y="116632"/>
+              <a:ext cx="663678" cy="444194"/>
+            </a:xfrm>
+            <a:prstGeom prst="rect">
+              <a:avLst/>
+            </a:prstGeom>
+          </p:spPr>
+        </p:pic>
+        <p:sp>
+          <p:nvSpPr>
+            <p:cNvPr id="18" name="Fluxograma: Processo 17">
+              <a:extLst>
+                <a:ext uri="{FF2B5EF4-FFF2-40B4-BE49-F238E27FC236}">
+                  <a16:creationId xmlns:a16="http://schemas.microsoft.com/office/drawing/2014/main" id="{C5259A97-29D1-4799-A76E-4507D35E0500}"/>
+                </a:ext>
+              </a:extLst>
+            </p:cNvPr>
+            <p:cNvSpPr/>
+            <p:nvPr/>
+          </p:nvSpPr>
+          <p:spPr>
+            <a:xfrm>
+              <a:off x="2629213" y="0"/>
+              <a:ext cx="319404" cy="620688"/>
+            </a:xfrm>
+            <a:prstGeom prst="flowChartProcess">
+              <a:avLst/>
+            </a:prstGeom>
+            <a:solidFill>
+              <a:srgbClr val="9BAAB7"/>
+            </a:solidFill>
+            <a:ln>
+              <a:solidFill>
+                <a:srgbClr val="7D90A1"/>
+              </a:solidFill>
+            </a:ln>
+          </p:spPr>
+          <p:style>
+            <a:lnRef idx="2">
+              <a:schemeClr val="accent1">
+                <a:shade val="50000"/>
+              </a:schemeClr>
+            </a:lnRef>
+            <a:fillRef idx="1">
+              <a:schemeClr val="accent1"/>
+            </a:fillRef>
+            <a:effectRef idx="0">
+              <a:schemeClr val="accent1"/>
+            </a:effectRef>
+            <a:fontRef idx="minor">
+              <a:schemeClr val="lt1"/>
+            </a:fontRef>
+          </p:style>
+          <p:txBody>
+            <a:bodyPr rtlCol="0" anchor="ctr"/>
+            <a:lstStyle/>
+            <a:p>
+              <a:pPr algn="ctr"/>
+              <a:endParaRPr lang="pt-BR"/>
+            </a:p>
+          </p:txBody>
+        </p:sp>
+        <p:sp>
+          <p:nvSpPr>
+            <p:cNvPr id="19" name="Fluxograma: Processo 18">
+              <a:extLst>
+                <a:ext uri="{FF2B5EF4-FFF2-40B4-BE49-F238E27FC236}">
+                  <a16:creationId xmlns:a16="http://schemas.microsoft.com/office/drawing/2014/main" id="{0E073054-A0B6-4F5A-9798-C790EBEBD4F9}"/>
+                </a:ext>
+              </a:extLst>
+            </p:cNvPr>
+            <p:cNvSpPr/>
+            <p:nvPr/>
+          </p:nvSpPr>
+          <p:spPr>
+            <a:xfrm>
+              <a:off x="4909367" y="0"/>
+              <a:ext cx="319404" cy="620688"/>
+            </a:xfrm>
+            <a:prstGeom prst="flowChartProcess">
+              <a:avLst/>
+            </a:prstGeom>
+            <a:solidFill>
+              <a:srgbClr val="9BAAB7"/>
+            </a:solidFill>
+            <a:ln>
+              <a:solidFill>
+                <a:srgbClr val="7D90A1"/>
+              </a:solidFill>
+            </a:ln>
+          </p:spPr>
+          <p:style>
+            <a:lnRef idx="2">
+              <a:schemeClr val="accent1">
+                <a:shade val="50000"/>
+              </a:schemeClr>
+            </a:lnRef>
+            <a:fillRef idx="1">
+              <a:schemeClr val="accent1"/>
+            </a:fillRef>
+            <a:effectRef idx="0">
+              <a:schemeClr val="accent1"/>
+            </a:effectRef>
+            <a:fontRef idx="minor">
+              <a:schemeClr val="lt1"/>
+            </a:fontRef>
+          </p:style>
+          <p:txBody>
+            <a:bodyPr rtlCol="0" anchor="ctr"/>
+            <a:lstStyle/>
+            <a:p>
+              <a:pPr algn="ctr"/>
+              <a:endParaRPr lang="pt-BR"/>
+            </a:p>
+          </p:txBody>
+        </p:sp>
+        <p:sp>
+          <p:nvSpPr>
+            <p:cNvPr id="20" name="Fluxograma: Processo 19">
+              <a:extLst>
+                <a:ext uri="{FF2B5EF4-FFF2-40B4-BE49-F238E27FC236}">
+                  <a16:creationId xmlns:a16="http://schemas.microsoft.com/office/drawing/2014/main" id="{6C728BC0-80BC-410F-B159-9BA2B9CB340D}"/>
+                </a:ext>
+              </a:extLst>
+            </p:cNvPr>
+            <p:cNvSpPr/>
+            <p:nvPr/>
+          </p:nvSpPr>
+          <p:spPr>
+            <a:xfrm>
+              <a:off x="7215168" y="0"/>
+              <a:ext cx="319404" cy="620688"/>
+            </a:xfrm>
+            <a:prstGeom prst="flowChartProcess">
+              <a:avLst/>
+            </a:prstGeom>
+            <a:solidFill>
+              <a:srgbClr val="9BAAB7"/>
+            </a:solidFill>
+            <a:ln>
+              <a:solidFill>
+                <a:srgbClr val="7D90A1"/>
+              </a:solidFill>
+            </a:ln>
+          </p:spPr>
+          <p:style>
+            <a:lnRef idx="2">
+              <a:schemeClr val="accent1">
+                <a:shade val="50000"/>
+              </a:schemeClr>
+            </a:lnRef>
+            <a:fillRef idx="1">
+              <a:schemeClr val="accent1"/>
+            </a:fillRef>
+            <a:effectRef idx="0">
+              <a:schemeClr val="accent1"/>
+            </a:effectRef>
+            <a:fontRef idx="minor">
+              <a:schemeClr val="lt1"/>
+            </a:fontRef>
+          </p:style>
+          <p:txBody>
+            <a:bodyPr rtlCol="0" anchor="ctr"/>
+            <a:lstStyle/>
+            <a:p>
+              <a:pPr algn="ctr"/>
+              <a:endParaRPr lang="pt-BR"/>
+            </a:p>
+          </p:txBody>
+        </p:sp>
+      </p:grpSp>
+    </p:spTree>
+    <p:extLst>
+      <p:ext uri="{BB962C8B-B14F-4D97-AF65-F5344CB8AC3E}">
+        <p14:creationId xmlns:p14="http://schemas.microsoft.com/office/powerpoint/2010/main" val="1442536310"/>
       </p:ext>
     </p:extLst>
   </p:cSld>
@@ -23937,15 +24966,6 @@
 </file>
 
 <file path=customXml/item1.xml><?xml version="1.0" encoding="utf-8"?>
-<?mso-contentType ?>
-<FormTemplates xmlns="http://schemas.microsoft.com/sharepoint/v3/contenttype/forms">
-  <Display>DocumentLibraryForm</Display>
-  <Edit>DocumentLibraryForm</Edit>
-  <New>DocumentLibraryForm</New>
-</FormTemplates>
-</file>
-
-<file path=customXml/item2.xml><?xml version="1.0" encoding="utf-8"?>
 <ct:contentTypeSchema xmlns:ct="http://schemas.microsoft.com/office/2006/metadata/contentType" xmlns:ma="http://schemas.microsoft.com/office/2006/metadata/properties/metaAttributes" ct:_="" ma:_="" ma:contentTypeName="Documento" ma:contentTypeID="0x010100A5F461AC17AACA4E874D5CF2184E6C0C" ma:contentTypeVersion="10" ma:contentTypeDescription="Crie um novo documento." ma:contentTypeScope="" ma:versionID="ce7f9022ec1ac27c76e0c516a34f5925">
   <xsd:schema xmlns:xsd="http://www.w3.org/2001/XMLSchema" xmlns:xs="http://www.w3.org/2001/XMLSchema" xmlns:p="http://schemas.microsoft.com/office/2006/metadata/properties" xmlns:ns2="2744d390-2e3d-48e1-bc90-6bb95cb2359f" xmlns:ns3="ad5896ab-7e42-4cd5-83fd-c8cacde1cd42" targetNamespace="http://schemas.microsoft.com/office/2006/metadata/properties" ma:root="true" ma:fieldsID="ad5366b67ea7d2313705f508e08b28c2" ns2:_="" ns3:_="">
     <xsd:import namespace="2744d390-2e3d-48e1-bc90-6bb95cb2359f"/>
@@ -24134,6 +25154,15 @@
 </ct:contentTypeSchema>
 </file>
 
+<file path=customXml/item2.xml><?xml version="1.0" encoding="utf-8"?>
+<?mso-contentType ?>
+<FormTemplates xmlns="http://schemas.microsoft.com/sharepoint/v3/contenttype/forms">
+  <Display>DocumentLibraryForm</Display>
+  <Edit>DocumentLibraryForm</Edit>
+  <New>DocumentLibraryForm</New>
+</FormTemplates>
+</file>
+
 <file path=customXml/item3.xml><?xml version="1.0" encoding="utf-8"?>
 <p:properties xmlns:p="http://schemas.microsoft.com/office/2006/metadata/properties" xmlns:xsi="http://www.w3.org/2001/XMLSchema-instance" xmlns:pc="http://schemas.microsoft.com/office/infopath/2007/PartnerControls">
   <documentManagement>
@@ -24146,14 +25175,6 @@
 </file>
 
 <file path=customXml/itemProps1.xml><?xml version="1.0" encoding="utf-8"?>
-<ds:datastoreItem xmlns:ds="http://schemas.openxmlformats.org/officeDocument/2006/customXml" ds:itemID="{21921D19-86FA-4CD0-9E63-80556BBC4F39}">
-  <ds:schemaRefs>
-    <ds:schemaRef ds:uri="http://schemas.microsoft.com/sharepoint/v3/contenttype/forms"/>
-  </ds:schemaRefs>
-</ds:datastoreItem>
-</file>
-
-<file path=customXml/itemProps2.xml><?xml version="1.0" encoding="utf-8"?>
 <ds:datastoreItem xmlns:ds="http://schemas.openxmlformats.org/officeDocument/2006/customXml" ds:itemID="{D092EE48-90EC-437F-8B53-56673613E964}">
   <ds:schemaRefs>
     <ds:schemaRef ds:uri="http://schemas.microsoft.com/office/2006/metadata/contentType"/>
@@ -24168,6 +25189,14 @@
     <ds:schemaRef ds:uri="http://purl.org/dc/elements/1.1/"/>
     <ds:schemaRef ds:uri="http://purl.org/dc/terms/"/>
     <ds:schemaRef ds:uri="http://schemas.microsoft.com/internal/obd"/>
+  </ds:schemaRefs>
+</ds:datastoreItem>
+</file>
+
+<file path=customXml/itemProps2.xml><?xml version="1.0" encoding="utf-8"?>
+<ds:datastoreItem xmlns:ds="http://schemas.openxmlformats.org/officeDocument/2006/customXml" ds:itemID="{21921D19-86FA-4CD0-9E63-80556BBC4F39}">
+  <ds:schemaRefs>
+    <ds:schemaRef ds:uri="http://schemas.microsoft.com/sharepoint/v3/contenttype/forms"/>
   </ds:schemaRefs>
 </ds:datastoreItem>
 </file>

--- a/Sprints/Reuniões Semanais/slides-apresentacao.pptx
+++ b/Sprints/Reuniões Semanais/slides-apresentacao.pptx
@@ -26,8 +26,8 @@
     <p:sldId id="292" r:id="rId17"/>
     <p:sldId id="293" r:id="rId18"/>
     <p:sldId id="295" r:id="rId19"/>
-    <p:sldId id="294" r:id="rId20"/>
-    <p:sldId id="296" r:id="rId21"/>
+    <p:sldId id="296" r:id="rId20"/>
+    <p:sldId id="294" r:id="rId21"/>
   </p:sldIdLst>
   <p:sldSz cx="12188825" cy="6858000"/>
   <p:notesSz cx="6858000" cy="9144000"/>
@@ -248,7 +248,7 @@
             <a:pPr rtl="0"/>
             <a:fld id="{70981B7D-53F6-4039-A8FA-44779F95F4C7}" type="datetime1">
               <a:rPr lang="pt-BR" smtClean="0"/>
-              <a:t>01/10/2025</a:t>
+              <a:t>02/10/2025</a:t>
             </a:fld>
             <a:endParaRPr lang="pt-BR" dirty="0"/>
           </a:p>
@@ -426,7 +426,7 @@
             <a:pPr rtl="0"/>
             <a:fld id="{FD1732DB-6DE7-4ED0-8D58-5BB99683AAF5}" type="datetime1">
               <a:rPr lang="pt-BR" noProof="0" smtClean="0"/>
-              <a:t>01/10/2025</a:t>
+              <a:t>02/10/2025</a:t>
             </a:fld>
             <a:endParaRPr lang="pt-BR" noProof="0" dirty="0"/>
           </a:p>
@@ -1384,7 +1384,7 @@
     </p:spTree>
     <p:extLst>
       <p:ext uri="{BB962C8B-B14F-4D97-AF65-F5344CB8AC3E}">
-        <p14:creationId xmlns:p14="http://schemas.microsoft.com/office/powerpoint/2010/main" val="3341828383"/>
+        <p14:creationId xmlns:p14="http://schemas.microsoft.com/office/powerpoint/2010/main" val="2671464656"/>
       </p:ext>
     </p:extLst>
   </p:cSld>
@@ -1470,7 +1470,7 @@
     </p:spTree>
     <p:extLst>
       <p:ext uri="{BB962C8B-B14F-4D97-AF65-F5344CB8AC3E}">
-        <p14:creationId xmlns:p14="http://schemas.microsoft.com/office/powerpoint/2010/main" val="2671464656"/>
+        <p14:creationId xmlns:p14="http://schemas.microsoft.com/office/powerpoint/2010/main" val="3341828383"/>
       </p:ext>
     </p:extLst>
   </p:cSld>
@@ -3087,7 +3087,7 @@
             <a:pPr rtl="0"/>
             <a:fld id="{8CF9E3DC-7299-4B05-809A-5B49B2FE7AF9}" type="datetime1">
               <a:rPr lang="pt-BR" noProof="0" smtClean="0"/>
-              <a:t>01/10/2025</a:t>
+              <a:t>02/10/2025</a:t>
             </a:fld>
             <a:endParaRPr lang="pt-BR" noProof="0" dirty="0"/>
           </a:p>
@@ -3315,7 +3315,7 @@
             <a:pPr rtl="0"/>
             <a:fld id="{BBAAB6E8-DECC-4374-9E89-4B608ECFE3D5}" type="datetime1">
               <a:rPr lang="pt-BR" noProof="0" smtClean="0"/>
-              <a:t>01/10/2025</a:t>
+              <a:t>02/10/2025</a:t>
             </a:fld>
             <a:endParaRPr lang="pt-BR" noProof="0" dirty="0"/>
           </a:p>
@@ -4138,7 +4138,7 @@
             <a:pPr rtl="0"/>
             <a:fld id="{AAEE400E-D093-4D95-9BEC-411F2E346232}" type="datetime1">
               <a:rPr lang="pt-BR" noProof="0" smtClean="0"/>
-              <a:t>01/10/2025</a:t>
+              <a:t>02/10/2025</a:t>
             </a:fld>
             <a:endParaRPr lang="pt-BR" noProof="0" dirty="0"/>
           </a:p>
@@ -4344,7 +4344,7 @@
             <a:pPr rtl="0"/>
             <a:fld id="{883CAA7E-3E75-44C8-A2C7-4C05D52B2FA1}" type="datetime1">
               <a:rPr lang="pt-BR" noProof="0" smtClean="0"/>
-              <a:t>01/10/2025</a:t>
+              <a:t>02/10/2025</a:t>
             </a:fld>
             <a:endParaRPr lang="pt-BR" noProof="0" dirty="0"/>
           </a:p>
@@ -5614,7 +5614,7 @@
             <a:pPr rtl="0"/>
             <a:fld id="{8CF2E68F-F985-4986-B024-0FC8C7AE2C1B}" type="datetime1">
               <a:rPr lang="pt-BR" noProof="0" smtClean="0"/>
-              <a:t>01/10/2025</a:t>
+              <a:t>02/10/2025</a:t>
             </a:fld>
             <a:endParaRPr lang="pt-BR" noProof="0" dirty="0"/>
           </a:p>
@@ -5944,7 +5944,7 @@
             <a:pPr rtl="0"/>
             <a:fld id="{4E6DA4F2-6A33-4AC7-8E78-BF93E4CA2325}" type="datetime1">
               <a:rPr lang="pt-BR" noProof="0" smtClean="0"/>
-              <a:t>01/10/2025</a:t>
+              <a:t>02/10/2025</a:t>
             </a:fld>
             <a:endParaRPr lang="pt-BR" noProof="0" dirty="0"/>
           </a:p>
@@ -6400,7 +6400,7 @@
             <a:pPr rtl="0"/>
             <a:fld id="{4FECF235-9052-434D-9210-E5F733C07A25}" type="datetime1">
               <a:rPr lang="pt-BR" noProof="0" smtClean="0"/>
-              <a:t>01/10/2025</a:t>
+              <a:t>02/10/2025</a:t>
             </a:fld>
             <a:endParaRPr lang="pt-BR" noProof="0" dirty="0"/>
           </a:p>
@@ -6538,7 +6538,7 @@
             <a:pPr rtl="0"/>
             <a:fld id="{1301FB55-4A16-41A5-BB72-289DDF81266B}" type="datetime1">
               <a:rPr lang="pt-BR" noProof="0" smtClean="0"/>
-              <a:t>01/10/2025</a:t>
+              <a:t>02/10/2025</a:t>
             </a:fld>
             <a:endParaRPr lang="pt-BR" noProof="0" dirty="0"/>
           </a:p>
@@ -6880,7 +6880,7 @@
             <a:pPr rtl="0"/>
             <a:fld id="{71E0E9FA-B55D-4813-98B8-D8C2B1295A53}" type="datetime1">
               <a:rPr lang="pt-BR" noProof="0" smtClean="0"/>
-              <a:t>01/10/2025</a:t>
+              <a:t>02/10/2025</a:t>
             </a:fld>
             <a:endParaRPr lang="pt-BR" noProof="0" dirty="0"/>
           </a:p>
@@ -7380,7 +7380,7 @@
             <a:pPr rtl="0"/>
             <a:fld id="{E68E7951-E498-47D1-BE16-2C63407A06A1}" type="datetime1">
               <a:rPr lang="pt-BR" noProof="0" smtClean="0"/>
-              <a:t>01/10/2025</a:t>
+              <a:t>02/10/2025</a:t>
             </a:fld>
             <a:endParaRPr lang="pt-BR" noProof="0" dirty="0"/>
           </a:p>
@@ -7837,7 +7837,7 @@
             <a:pPr rtl="0"/>
             <a:fld id="{B6D5139B-774C-4260-8335-315AD6FC9ED3}" type="datetime1">
               <a:rPr lang="pt-BR" noProof="0" smtClean="0"/>
-              <a:t>01/10/2025</a:t>
+              <a:t>02/10/2025</a:t>
             </a:fld>
             <a:endParaRPr lang="pt-BR" noProof="0" dirty="0"/>
           </a:p>
@@ -8741,7 +8741,7 @@
             <a:pPr rtl="0"/>
             <a:fld id="{20DFF7A9-BA36-411E-AE0E-59A71496C0E4}" type="datetime1">
               <a:rPr lang="pt-BR" noProof="0" smtClean="0"/>
-              <a:t>01/10/2025</a:t>
+              <a:t>02/10/2025</a:t>
             </a:fld>
             <a:endParaRPr lang="pt-BR" noProof="0" dirty="0"/>
           </a:p>
@@ -15776,12 +15776,7 @@
             <p:ph type="ftr" sz="quarter" idx="11"/>
           </p:nvPr>
         </p:nvSpPr>
-        <p:spPr>
-          <a:xfrm>
-            <a:off x="6382444" y="6408084"/>
-            <a:ext cx="3974065" cy="365125"/>
-          </a:xfrm>
-        </p:spPr>
+        <p:spPr/>
         <p:txBody>
           <a:bodyPr/>
           <a:lstStyle/>
@@ -15814,6 +15809,997 @@
               <a:rPr lang="pt-BR" noProof="0" smtClean="0"/>
               <a:pPr rtl="0"/>
               <a:t>16</a:t>
+            </a:fld>
+            <a:endParaRPr lang="pt-BR" noProof="0" dirty="0"/>
+          </a:p>
+        </p:txBody>
+      </p:sp>
+      <p:sp>
+        <p:nvSpPr>
+          <p:cNvPr id="5" name="Espaço reservado para conteúdo 13">
+            <a:extLst>
+              <a:ext uri="{FF2B5EF4-FFF2-40B4-BE49-F238E27FC236}">
+                <a16:creationId xmlns:a16="http://schemas.microsoft.com/office/drawing/2014/main" id="{00D5599C-F27A-985B-0D0A-BFDAB1066500}"/>
+              </a:ext>
+            </a:extLst>
+          </p:cNvPr>
+          <p:cNvSpPr txBox="1">
+            <a:spLocks/>
+          </p:cNvSpPr>
+          <p:nvPr/>
+        </p:nvSpPr>
+        <p:spPr>
+          <a:xfrm>
+            <a:off x="1125860" y="2537492"/>
+            <a:ext cx="9685552" cy="3483796"/>
+          </a:xfrm>
+          <a:prstGeom prst="rect">
+            <a:avLst/>
+          </a:prstGeom>
+        </p:spPr>
+        <p:txBody>
+          <a:bodyPr rtlCol="0">
+            <a:normAutofit/>
+          </a:bodyPr>
+          <a:lstStyle>
+            <a:lvl1pPr marL="246888" indent="-246888" algn="l" defTabSz="914400" rtl="0" eaLnBrk="1" latinLnBrk="0" hangingPunct="1">
+              <a:lnSpc>
+                <a:spcPct val="90000"/>
+              </a:lnSpc>
+              <a:spcBef>
+                <a:spcPts val="1400"/>
+              </a:spcBef>
+              <a:buFont typeface="Euphemia" pitchFamily="34" charset="0"/>
+              <a:buChar char="›"/>
+              <a:defRPr sz="2800" kern="1200">
+                <a:solidFill>
+                  <a:schemeClr val="tx1"/>
+                </a:solidFill>
+                <a:latin typeface="+mn-lt"/>
+                <a:ea typeface="+mn-ea"/>
+                <a:cs typeface="+mn-cs"/>
+              </a:defRPr>
+            </a:lvl1pPr>
+            <a:lvl2pPr marL="612648" indent="-246888" algn="l" defTabSz="914400" rtl="0" eaLnBrk="1" latinLnBrk="0" hangingPunct="1">
+              <a:lnSpc>
+                <a:spcPct val="90000"/>
+              </a:lnSpc>
+              <a:spcBef>
+                <a:spcPts val="600"/>
+              </a:spcBef>
+              <a:buFont typeface="Euphemia" pitchFamily="34" charset="0"/>
+              <a:buChar char="–"/>
+              <a:defRPr sz="2400" kern="1200">
+                <a:solidFill>
+                  <a:schemeClr val="tx1"/>
+                </a:solidFill>
+                <a:latin typeface="+mn-lt"/>
+                <a:ea typeface="+mn-ea"/>
+                <a:cs typeface="+mn-cs"/>
+              </a:defRPr>
+            </a:lvl2pPr>
+            <a:lvl3pPr marL="978408" indent="-246888" algn="l" defTabSz="914400" rtl="0" eaLnBrk="1" latinLnBrk="0" hangingPunct="1">
+              <a:lnSpc>
+                <a:spcPct val="90000"/>
+              </a:lnSpc>
+              <a:spcBef>
+                <a:spcPts val="600"/>
+              </a:spcBef>
+              <a:buFont typeface="Euphemia" pitchFamily="34" charset="0"/>
+              <a:buChar char="›"/>
+              <a:defRPr sz="2000" kern="1200">
+                <a:solidFill>
+                  <a:schemeClr val="tx1"/>
+                </a:solidFill>
+                <a:latin typeface="+mn-lt"/>
+                <a:ea typeface="+mn-ea"/>
+                <a:cs typeface="+mn-cs"/>
+              </a:defRPr>
+            </a:lvl3pPr>
+            <a:lvl4pPr marL="1344168" indent="-246888" algn="l" defTabSz="914400" rtl="0" eaLnBrk="1" latinLnBrk="0" hangingPunct="1">
+              <a:lnSpc>
+                <a:spcPct val="90000"/>
+              </a:lnSpc>
+              <a:spcBef>
+                <a:spcPts val="600"/>
+              </a:spcBef>
+              <a:buFont typeface="Arial" pitchFamily="34" charset="0"/>
+              <a:buChar char="–"/>
+              <a:defRPr sz="1800" kern="1200">
+                <a:solidFill>
+                  <a:schemeClr val="tx1"/>
+                </a:solidFill>
+                <a:latin typeface="+mn-lt"/>
+                <a:ea typeface="+mn-ea"/>
+                <a:cs typeface="+mn-cs"/>
+              </a:defRPr>
+            </a:lvl4pPr>
+            <a:lvl5pPr marL="1709928" indent="-246888" algn="l" defTabSz="914400" rtl="0" eaLnBrk="1" latinLnBrk="0" hangingPunct="1">
+              <a:lnSpc>
+                <a:spcPct val="90000"/>
+              </a:lnSpc>
+              <a:spcBef>
+                <a:spcPts val="600"/>
+              </a:spcBef>
+              <a:buFont typeface="Euphemia" pitchFamily="34" charset="0"/>
+              <a:buChar char="›"/>
+              <a:defRPr sz="1800" kern="1200">
+                <a:solidFill>
+                  <a:schemeClr val="tx1"/>
+                </a:solidFill>
+                <a:latin typeface="+mn-lt"/>
+                <a:ea typeface="+mn-ea"/>
+                <a:cs typeface="+mn-cs"/>
+              </a:defRPr>
+            </a:lvl5pPr>
+            <a:lvl6pPr marL="2075688" indent="-246888" algn="l" defTabSz="914400" rtl="0" eaLnBrk="1" latinLnBrk="0" hangingPunct="1">
+              <a:lnSpc>
+                <a:spcPct val="90000"/>
+              </a:lnSpc>
+              <a:spcBef>
+                <a:spcPts val="600"/>
+              </a:spcBef>
+              <a:buFont typeface="Euphemia" pitchFamily="34" charset="0"/>
+              <a:buChar char="–"/>
+              <a:defRPr sz="1800" kern="1200">
+                <a:solidFill>
+                  <a:schemeClr val="tx1"/>
+                </a:solidFill>
+                <a:latin typeface="+mn-lt"/>
+                <a:ea typeface="+mn-ea"/>
+                <a:cs typeface="+mn-cs"/>
+              </a:defRPr>
+            </a:lvl6pPr>
+            <a:lvl7pPr marL="2441448" indent="-246888" algn="l" defTabSz="914400" rtl="0" eaLnBrk="1" latinLnBrk="0" hangingPunct="1">
+              <a:lnSpc>
+                <a:spcPct val="90000"/>
+              </a:lnSpc>
+              <a:spcBef>
+                <a:spcPts val="600"/>
+              </a:spcBef>
+              <a:buFont typeface="Euphemia" pitchFamily="34" charset="0"/>
+              <a:buChar char="›"/>
+              <a:defRPr sz="1800" kern="1200">
+                <a:solidFill>
+                  <a:schemeClr val="tx1"/>
+                </a:solidFill>
+                <a:latin typeface="+mn-lt"/>
+                <a:ea typeface="+mn-ea"/>
+                <a:cs typeface="+mn-cs"/>
+              </a:defRPr>
+            </a:lvl7pPr>
+            <a:lvl8pPr marL="2807208" indent="-246888" algn="l" defTabSz="914400" rtl="0" eaLnBrk="1" latinLnBrk="0" hangingPunct="1">
+              <a:lnSpc>
+                <a:spcPct val="90000"/>
+              </a:lnSpc>
+              <a:spcBef>
+                <a:spcPts val="600"/>
+              </a:spcBef>
+              <a:buFont typeface="Euphemia" pitchFamily="34" charset="0"/>
+              <a:buChar char="–"/>
+              <a:defRPr sz="1800" kern="1200" baseline="0">
+                <a:solidFill>
+                  <a:schemeClr val="tx1"/>
+                </a:solidFill>
+                <a:latin typeface="+mn-lt"/>
+                <a:ea typeface="+mn-ea"/>
+                <a:cs typeface="+mn-cs"/>
+              </a:defRPr>
+            </a:lvl8pPr>
+            <a:lvl9pPr marL="3172968" indent="-246888" algn="l" defTabSz="914400" rtl="0" eaLnBrk="1" latinLnBrk="0" hangingPunct="1">
+              <a:lnSpc>
+                <a:spcPct val="90000"/>
+              </a:lnSpc>
+              <a:spcBef>
+                <a:spcPts val="600"/>
+              </a:spcBef>
+              <a:buFont typeface="Euphemia" pitchFamily="34" charset="0"/>
+              <a:buChar char="›"/>
+              <a:defRPr sz="1800" kern="1200" baseline="0">
+                <a:solidFill>
+                  <a:schemeClr val="tx1"/>
+                </a:solidFill>
+                <a:latin typeface="+mn-lt"/>
+                <a:ea typeface="+mn-ea"/>
+                <a:cs typeface="+mn-cs"/>
+              </a:defRPr>
+            </a:lvl9pPr>
+          </a:lstStyle>
+          <a:p>
+            <a:pPr marL="0" lvl="0" indent="0">
+              <a:buNone/>
+            </a:pPr>
+            <a:r>
+              <a:rPr lang="pt-BR" sz="1600" b="1" dirty="0">
+                <a:latin typeface="Arial" panose="020B0604020202020204" pitchFamily="34" charset="0"/>
+                <a:cs typeface="Arial" panose="020B0604020202020204" pitchFamily="34" charset="0"/>
+              </a:rPr>
+              <a:t>Documentação</a:t>
+            </a:r>
+            <a:r>
+              <a:rPr lang="pt-BR" sz="1600" b="1" dirty="0"/>
+              <a:t>:</a:t>
+            </a:r>
+          </a:p>
+          <a:p>
+            <a:pPr marL="0" lvl="0" indent="0">
+              <a:buNone/>
+            </a:pPr>
+            <a:endParaRPr lang="pt-BR" sz="1200" b="1" dirty="0">
+              <a:latin typeface="Arial" panose="020B0604020202020204" pitchFamily="34" charset="0"/>
+              <a:cs typeface="Arial" panose="020B0604020202020204" pitchFamily="34" charset="0"/>
+            </a:endParaRPr>
+          </a:p>
+          <a:p>
+            <a:pPr marL="0" lvl="0" indent="0" algn="just">
+              <a:buNone/>
+            </a:pPr>
+            <a:r>
+              <a:rPr lang="pt-BR" sz="1200" dirty="0">
+                <a:latin typeface="Arial" panose="020B0604020202020204" pitchFamily="34" charset="0"/>
+                <a:cs typeface="Arial" panose="020B0604020202020204" pitchFamily="34" charset="0"/>
+              </a:rPr>
+              <a:t>Diante do </a:t>
+            </a:r>
+            <a:r>
+              <a:rPr lang="pt-BR" sz="1200" b="1" dirty="0">
+                <a:latin typeface="Arial" panose="020B0604020202020204" pitchFamily="34" charset="0"/>
+                <a:cs typeface="Arial" panose="020B0604020202020204" pitchFamily="34" charset="0"/>
+              </a:rPr>
+              <a:t>objetivo geral</a:t>
+            </a:r>
+            <a:r>
+              <a:rPr lang="pt-BR" sz="1200" dirty="0">
+                <a:latin typeface="Arial" panose="020B0604020202020204" pitchFamily="34" charset="0"/>
+                <a:cs typeface="Arial" panose="020B0604020202020204" pitchFamily="34" charset="0"/>
+              </a:rPr>
+              <a:t>, decidiu-se que os colaboradores resolvessem um problema agravante no grupo social, que seria a defasagem do ensino público em relação a redação do ENEM, assim, desenvolvendo um sistema onde o mesmo consiga alcançar grandes números e elevar o nível de estudantes de escola pública.</a:t>
+            </a:r>
+          </a:p>
+          <a:p>
+            <a:pPr marL="0" lvl="0" indent="0">
+              <a:buNone/>
+            </a:pPr>
+            <a:r>
+              <a:rPr lang="pt-BR" sz="1200" b="1" dirty="0">
+                <a:latin typeface="Arial" panose="020B0604020202020204" pitchFamily="34" charset="0"/>
+                <a:cs typeface="Arial" panose="020B0604020202020204" pitchFamily="34" charset="0"/>
+              </a:rPr>
+              <a:t>Objetivos específicos:</a:t>
+            </a:r>
+            <a:r>
+              <a:rPr lang="pt-BR" sz="1200" dirty="0">
+                <a:latin typeface="Arial" panose="020B0604020202020204" pitchFamily="34" charset="0"/>
+                <a:cs typeface="Arial" panose="020B0604020202020204" pitchFamily="34" charset="0"/>
+              </a:rPr>
+              <a:t> Desenvolver um sistema de redação com o foco em estudantes do ensino público.</a:t>
+            </a:r>
+          </a:p>
+          <a:p>
+            <a:pPr lvl="0"/>
+            <a:r>
+              <a:rPr lang="pt-BR" sz="1200" dirty="0">
+                <a:latin typeface="Arial" panose="020B0604020202020204" pitchFamily="34" charset="0"/>
+                <a:cs typeface="Arial" panose="020B0604020202020204" pitchFamily="34" charset="0"/>
+              </a:rPr>
+              <a:t>Desenvolver as funcionalidades do sistema; Os requisitos funcionais e não funcionais.  </a:t>
+            </a:r>
+          </a:p>
+          <a:p>
+            <a:pPr lvl="0"/>
+            <a:r>
+              <a:rPr lang="pt-BR" sz="1200" dirty="0">
+                <a:latin typeface="Arial" panose="020B0604020202020204" pitchFamily="34" charset="0"/>
+                <a:cs typeface="Arial" panose="020B0604020202020204" pitchFamily="34" charset="0"/>
+              </a:rPr>
+              <a:t>Desenvolver gráficos de desempenho, analisar e corrigir aplicações dos usuários com IA.</a:t>
+            </a:r>
+          </a:p>
+          <a:p>
+            <a:pPr lvl="0"/>
+            <a:r>
+              <a:rPr lang="pt-BR" sz="1200" dirty="0">
+                <a:latin typeface="Arial" panose="020B0604020202020204" pitchFamily="34" charset="0"/>
+                <a:cs typeface="Arial" panose="020B0604020202020204" pitchFamily="34" charset="0"/>
+              </a:rPr>
+              <a:t>Realizar testes de usabilidade com usuários-alvo para feedbacks da aplicação.</a:t>
+            </a:r>
+          </a:p>
+          <a:p>
+            <a:pPr marL="0" lvl="0" indent="0">
+              <a:buNone/>
+            </a:pPr>
+            <a:r>
+              <a:rPr lang="pt-BR" sz="1200" dirty="0">
+                <a:latin typeface="Arial" panose="020B0604020202020204" pitchFamily="34" charset="0"/>
+                <a:cs typeface="Arial" panose="020B0604020202020204" pitchFamily="34" charset="0"/>
+              </a:rPr>
+              <a:t>A</a:t>
+            </a:r>
+            <a:r>
+              <a:rPr lang="pt-BR" sz="1200" b="1" dirty="0">
+                <a:latin typeface="Arial" panose="020B0604020202020204" pitchFamily="34" charset="0"/>
+                <a:cs typeface="Arial" panose="020B0604020202020204" pitchFamily="34" charset="0"/>
+              </a:rPr>
+              <a:t> justificativa </a:t>
+            </a:r>
+            <a:r>
+              <a:rPr lang="pt-BR" sz="1200" dirty="0">
+                <a:latin typeface="Arial" panose="020B0604020202020204" pitchFamily="34" charset="0"/>
+                <a:cs typeface="Arial" panose="020B0604020202020204" pitchFamily="34" charset="0"/>
+              </a:rPr>
+              <a:t>desse projeto, é resolver um problema que existe desde sempre na sociedade, sendo assim, decidiu-se que o propósito, o motivo no qual a aplicação será feita, é de fato melhorar a qualidade das redações desses estudantes, e os levarem a um patamar acima do que os pertence nos dias de hoje.</a:t>
+            </a:r>
+          </a:p>
+          <a:p>
+            <a:pPr lvl="0"/>
+            <a:endParaRPr lang="pt-BR" sz="1200" dirty="0">
+              <a:latin typeface="Arial" panose="020B0604020202020204" pitchFamily="34" charset="0"/>
+              <a:cs typeface="Arial" panose="020B0604020202020204" pitchFamily="34" charset="0"/>
+            </a:endParaRPr>
+          </a:p>
+          <a:p>
+            <a:pPr lvl="0"/>
+            <a:endParaRPr lang="pt-BR" sz="1200" dirty="0">
+              <a:latin typeface="Arial" panose="020B0604020202020204" pitchFamily="34" charset="0"/>
+              <a:cs typeface="Arial" panose="020B0604020202020204" pitchFamily="34" charset="0"/>
+            </a:endParaRPr>
+          </a:p>
+          <a:p>
+            <a:pPr lvl="0"/>
+            <a:endParaRPr lang="pt-BR" sz="1200" dirty="0">
+              <a:latin typeface="Arial" panose="020B0604020202020204" pitchFamily="34" charset="0"/>
+              <a:cs typeface="Arial" panose="020B0604020202020204" pitchFamily="34" charset="0"/>
+            </a:endParaRPr>
+          </a:p>
+          <a:p>
+            <a:pPr lvl="0"/>
+            <a:endParaRPr lang="pt-BR" sz="1200" dirty="0">
+              <a:latin typeface="Arial" panose="020B0604020202020204" pitchFamily="34" charset="0"/>
+              <a:cs typeface="Arial" panose="020B0604020202020204" pitchFamily="34" charset="0"/>
+            </a:endParaRPr>
+          </a:p>
+        </p:txBody>
+      </p:sp>
+      <p:sp>
+        <p:nvSpPr>
+          <p:cNvPr id="12" name="Título 1">
+            <a:extLst>
+              <a:ext uri="{FF2B5EF4-FFF2-40B4-BE49-F238E27FC236}">
+                <a16:creationId xmlns:a16="http://schemas.microsoft.com/office/drawing/2014/main" id="{F3501BE2-B35A-4995-85C8-2492A5B81BDC}"/>
+              </a:ext>
+            </a:extLst>
+          </p:cNvPr>
+          <p:cNvSpPr txBox="1">
+            <a:spLocks/>
+          </p:cNvSpPr>
+          <p:nvPr/>
+        </p:nvSpPr>
+        <p:spPr>
+          <a:xfrm>
+            <a:off x="1053852" y="836712"/>
+            <a:ext cx="6397054" cy="731260"/>
+          </a:xfrm>
+          <a:prstGeom prst="rect">
+            <a:avLst/>
+          </a:prstGeom>
+        </p:spPr>
+        <p:txBody>
+          <a:bodyPr vert="horz" lIns="91440" tIns="45720" rIns="91440" bIns="45720" rtlCol="0" anchor="b">
+            <a:normAutofit/>
+          </a:bodyPr>
+          <a:lstStyle>
+            <a:lvl1pPr algn="l" defTabSz="914400" rtl="0" eaLnBrk="1" latinLnBrk="0" hangingPunct="1">
+              <a:lnSpc>
+                <a:spcPct val="90000"/>
+              </a:lnSpc>
+              <a:spcBef>
+                <a:spcPct val="0"/>
+              </a:spcBef>
+              <a:buNone/>
+              <a:defRPr sz="3600" kern="1200">
+                <a:solidFill>
+                  <a:schemeClr val="tx1">
+                    <a:lumMod val="75000"/>
+                  </a:schemeClr>
+                </a:solidFill>
+                <a:latin typeface="+mj-lt"/>
+                <a:ea typeface="+mj-ea"/>
+                <a:cs typeface="+mj-cs"/>
+              </a:defRPr>
+            </a:lvl1pPr>
+          </a:lstStyle>
+          <a:p>
+            <a:r>
+              <a:rPr lang="pt-BR" sz="2400" b="1" dirty="0"/>
+              <a:t>Trabalho de Conclusão de Curso</a:t>
+            </a:r>
+          </a:p>
+        </p:txBody>
+      </p:sp>
+      <p:sp>
+        <p:nvSpPr>
+          <p:cNvPr id="13" name="Subtítulo 2">
+            <a:extLst>
+              <a:ext uri="{FF2B5EF4-FFF2-40B4-BE49-F238E27FC236}">
+                <a16:creationId xmlns:a16="http://schemas.microsoft.com/office/drawing/2014/main" id="{7FEEC4A8-07F4-4AD9-82C2-A42A1760F090}"/>
+              </a:ext>
+            </a:extLst>
+          </p:cNvPr>
+          <p:cNvSpPr txBox="1">
+            <a:spLocks/>
+          </p:cNvSpPr>
+          <p:nvPr/>
+        </p:nvSpPr>
+        <p:spPr>
+          <a:xfrm>
+            <a:off x="1053852" y="1506026"/>
+            <a:ext cx="3969503" cy="595313"/>
+          </a:xfrm>
+          <a:prstGeom prst="rect">
+            <a:avLst/>
+          </a:prstGeom>
+        </p:spPr>
+        <p:txBody>
+          <a:bodyPr vert="horz" lIns="91440" tIns="45720" rIns="91440" bIns="45720" rtlCol="0">
+            <a:normAutofit/>
+          </a:bodyPr>
+          <a:lstStyle>
+            <a:lvl1pPr marL="246888" indent="-246888" algn="l" defTabSz="914400" rtl="0" eaLnBrk="1" latinLnBrk="0" hangingPunct="1">
+              <a:lnSpc>
+                <a:spcPct val="90000"/>
+              </a:lnSpc>
+              <a:spcBef>
+                <a:spcPts val="1400"/>
+              </a:spcBef>
+              <a:buFont typeface="Euphemia" pitchFamily="34" charset="0"/>
+              <a:buChar char="›"/>
+              <a:defRPr sz="2800" kern="1200">
+                <a:solidFill>
+                  <a:schemeClr val="tx1"/>
+                </a:solidFill>
+                <a:latin typeface="+mn-lt"/>
+                <a:ea typeface="+mn-ea"/>
+                <a:cs typeface="+mn-cs"/>
+              </a:defRPr>
+            </a:lvl1pPr>
+            <a:lvl2pPr marL="612648" indent="-246888" algn="l" defTabSz="914400" rtl="0" eaLnBrk="1" latinLnBrk="0" hangingPunct="1">
+              <a:lnSpc>
+                <a:spcPct val="90000"/>
+              </a:lnSpc>
+              <a:spcBef>
+                <a:spcPts val="600"/>
+              </a:spcBef>
+              <a:buFont typeface="Euphemia" pitchFamily="34" charset="0"/>
+              <a:buChar char="–"/>
+              <a:defRPr sz="2400" kern="1200">
+                <a:solidFill>
+                  <a:schemeClr val="tx1"/>
+                </a:solidFill>
+                <a:latin typeface="+mn-lt"/>
+                <a:ea typeface="+mn-ea"/>
+                <a:cs typeface="+mn-cs"/>
+              </a:defRPr>
+            </a:lvl2pPr>
+            <a:lvl3pPr marL="978408" indent="-246888" algn="l" defTabSz="914400" rtl="0" eaLnBrk="1" latinLnBrk="0" hangingPunct="1">
+              <a:lnSpc>
+                <a:spcPct val="90000"/>
+              </a:lnSpc>
+              <a:spcBef>
+                <a:spcPts val="600"/>
+              </a:spcBef>
+              <a:buFont typeface="Euphemia" pitchFamily="34" charset="0"/>
+              <a:buChar char="›"/>
+              <a:defRPr sz="2000" kern="1200">
+                <a:solidFill>
+                  <a:schemeClr val="tx1"/>
+                </a:solidFill>
+                <a:latin typeface="+mn-lt"/>
+                <a:ea typeface="+mn-ea"/>
+                <a:cs typeface="+mn-cs"/>
+              </a:defRPr>
+            </a:lvl3pPr>
+            <a:lvl4pPr marL="1344168" indent="-246888" algn="l" defTabSz="914400" rtl="0" eaLnBrk="1" latinLnBrk="0" hangingPunct="1">
+              <a:lnSpc>
+                <a:spcPct val="90000"/>
+              </a:lnSpc>
+              <a:spcBef>
+                <a:spcPts val="600"/>
+              </a:spcBef>
+              <a:buFont typeface="Arial" pitchFamily="34" charset="0"/>
+              <a:buChar char="–"/>
+              <a:defRPr sz="1800" kern="1200">
+                <a:solidFill>
+                  <a:schemeClr val="tx1"/>
+                </a:solidFill>
+                <a:latin typeface="+mn-lt"/>
+                <a:ea typeface="+mn-ea"/>
+                <a:cs typeface="+mn-cs"/>
+              </a:defRPr>
+            </a:lvl4pPr>
+            <a:lvl5pPr marL="1709928" indent="-246888" algn="l" defTabSz="914400" rtl="0" eaLnBrk="1" latinLnBrk="0" hangingPunct="1">
+              <a:lnSpc>
+                <a:spcPct val="90000"/>
+              </a:lnSpc>
+              <a:spcBef>
+                <a:spcPts val="600"/>
+              </a:spcBef>
+              <a:buFont typeface="Euphemia" pitchFamily="34" charset="0"/>
+              <a:buChar char="›"/>
+              <a:defRPr sz="1800" kern="1200">
+                <a:solidFill>
+                  <a:schemeClr val="tx1"/>
+                </a:solidFill>
+                <a:latin typeface="+mn-lt"/>
+                <a:ea typeface="+mn-ea"/>
+                <a:cs typeface="+mn-cs"/>
+              </a:defRPr>
+            </a:lvl5pPr>
+            <a:lvl6pPr marL="2075688" indent="-246888" algn="l" defTabSz="914400" rtl="0" eaLnBrk="1" latinLnBrk="0" hangingPunct="1">
+              <a:lnSpc>
+                <a:spcPct val="90000"/>
+              </a:lnSpc>
+              <a:spcBef>
+                <a:spcPts val="600"/>
+              </a:spcBef>
+              <a:buFont typeface="Euphemia" pitchFamily="34" charset="0"/>
+              <a:buChar char="–"/>
+              <a:defRPr sz="1800" kern="1200">
+                <a:solidFill>
+                  <a:schemeClr val="tx1"/>
+                </a:solidFill>
+                <a:latin typeface="+mn-lt"/>
+                <a:ea typeface="+mn-ea"/>
+                <a:cs typeface="+mn-cs"/>
+              </a:defRPr>
+            </a:lvl6pPr>
+            <a:lvl7pPr marL="2441448" indent="-246888" algn="l" defTabSz="914400" rtl="0" eaLnBrk="1" latinLnBrk="0" hangingPunct="1">
+              <a:lnSpc>
+                <a:spcPct val="90000"/>
+              </a:lnSpc>
+              <a:spcBef>
+                <a:spcPts val="600"/>
+              </a:spcBef>
+              <a:buFont typeface="Euphemia" pitchFamily="34" charset="0"/>
+              <a:buChar char="›"/>
+              <a:defRPr sz="1800" kern="1200">
+                <a:solidFill>
+                  <a:schemeClr val="tx1"/>
+                </a:solidFill>
+                <a:latin typeface="+mn-lt"/>
+                <a:ea typeface="+mn-ea"/>
+                <a:cs typeface="+mn-cs"/>
+              </a:defRPr>
+            </a:lvl7pPr>
+            <a:lvl8pPr marL="2807208" indent="-246888" algn="l" defTabSz="914400" rtl="0" eaLnBrk="1" latinLnBrk="0" hangingPunct="1">
+              <a:lnSpc>
+                <a:spcPct val="90000"/>
+              </a:lnSpc>
+              <a:spcBef>
+                <a:spcPts val="600"/>
+              </a:spcBef>
+              <a:buFont typeface="Euphemia" pitchFamily="34" charset="0"/>
+              <a:buChar char="–"/>
+              <a:defRPr sz="1800" kern="1200" baseline="0">
+                <a:solidFill>
+                  <a:schemeClr val="tx1"/>
+                </a:solidFill>
+                <a:latin typeface="+mn-lt"/>
+                <a:ea typeface="+mn-ea"/>
+                <a:cs typeface="+mn-cs"/>
+              </a:defRPr>
+            </a:lvl8pPr>
+            <a:lvl9pPr marL="3172968" indent="-246888" algn="l" defTabSz="914400" rtl="0" eaLnBrk="1" latinLnBrk="0" hangingPunct="1">
+              <a:lnSpc>
+                <a:spcPct val="90000"/>
+              </a:lnSpc>
+              <a:spcBef>
+                <a:spcPts val="600"/>
+              </a:spcBef>
+              <a:buFont typeface="Euphemia" pitchFamily="34" charset="0"/>
+              <a:buChar char="›"/>
+              <a:defRPr sz="1800" kern="1200" baseline="0">
+                <a:solidFill>
+                  <a:schemeClr val="tx1"/>
+                </a:solidFill>
+                <a:latin typeface="+mn-lt"/>
+                <a:ea typeface="+mn-ea"/>
+                <a:cs typeface="+mn-cs"/>
+              </a:defRPr>
+            </a:lvl9pPr>
+          </a:lstStyle>
+          <a:p>
+            <a:pPr marL="0" indent="0">
+              <a:buFont typeface="Euphemia" pitchFamily="34" charset="0"/>
+              <a:buNone/>
+            </a:pPr>
+            <a:r>
+              <a:rPr lang="pt-BR" sz="1800" dirty="0"/>
+              <a:t>Desenvolvimento de Sistemas</a:t>
+            </a:r>
+          </a:p>
+        </p:txBody>
+      </p:sp>
+      <p:grpSp>
+        <p:nvGrpSpPr>
+          <p:cNvPr id="14" name="Agrupar 13">
+            <a:extLst>
+              <a:ext uri="{FF2B5EF4-FFF2-40B4-BE49-F238E27FC236}">
+                <a16:creationId xmlns:a16="http://schemas.microsoft.com/office/drawing/2014/main" id="{28C9900E-F1CC-4BE7-928F-0A2F1D43B25F}"/>
+              </a:ext>
+            </a:extLst>
+          </p:cNvPr>
+          <p:cNvGrpSpPr/>
+          <p:nvPr/>
+        </p:nvGrpSpPr>
+        <p:grpSpPr>
+          <a:xfrm>
+            <a:off x="2629213" y="0"/>
+            <a:ext cx="6913821" cy="620688"/>
+            <a:chOff x="2629213" y="0"/>
+            <a:chExt cx="6913821" cy="620688"/>
+          </a:xfrm>
+        </p:grpSpPr>
+        <p:pic>
+          <p:nvPicPr>
+            <p:cNvPr id="15" name="Imagem 14">
+              <a:extLst>
+                <a:ext uri="{FF2B5EF4-FFF2-40B4-BE49-F238E27FC236}">
+                  <a16:creationId xmlns:a16="http://schemas.microsoft.com/office/drawing/2014/main" id="{17961CBA-A4C8-42AD-BC69-D633DC8D60C7}"/>
+                </a:ext>
+              </a:extLst>
+            </p:cNvPr>
+            <p:cNvPicPr>
+              <a:picLocks noChangeAspect="1"/>
+            </p:cNvPicPr>
+            <p:nvPr/>
+          </p:nvPicPr>
+          <p:blipFill>
+            <a:blip r:embed="rId3"/>
+            <a:stretch>
+              <a:fillRect/>
+            </a:stretch>
+          </p:blipFill>
+          <p:spPr>
+            <a:xfrm>
+              <a:off x="7544163" y="84791"/>
+              <a:ext cx="1998871" cy="444194"/>
+            </a:xfrm>
+            <a:prstGeom prst="rect">
+              <a:avLst/>
+            </a:prstGeom>
+          </p:spPr>
+        </p:pic>
+        <p:pic>
+          <p:nvPicPr>
+            <p:cNvPr id="16" name="Imagem 15" descr="Desenho com traços pretos em fundo branco e letras pretas em fundo branco&#10;&#10;Descrição gerada automaticamente com confiança média">
+              <a:extLst>
+                <a:ext uri="{FF2B5EF4-FFF2-40B4-BE49-F238E27FC236}">
+                  <a16:creationId xmlns:a16="http://schemas.microsoft.com/office/drawing/2014/main" id="{AA02075C-F6AE-4B2B-979B-D8D6D9606364}"/>
+                </a:ext>
+              </a:extLst>
+            </p:cNvPr>
+            <p:cNvPicPr>
+              <a:picLocks noChangeAspect="1" noChangeArrowheads="1"/>
+            </p:cNvPicPr>
+            <p:nvPr/>
+          </p:nvPicPr>
+          <p:blipFill>
+            <a:blip r:embed="rId4">
+              <a:extLst>
+                <a:ext uri="{28A0092B-C50C-407E-A947-70E740481C1C}">
+                  <a14:useLocalDpi xmlns:a14="http://schemas.microsoft.com/office/drawing/2010/main" val="0"/>
+                </a:ext>
+              </a:extLst>
+            </a:blip>
+            <a:srcRect/>
+            <a:stretch>
+              <a:fillRect/>
+            </a:stretch>
+          </p:blipFill>
+          <p:spPr bwMode="auto">
+            <a:xfrm>
+              <a:off x="2948617" y="116632"/>
+              <a:ext cx="673021" cy="444194"/>
+            </a:xfrm>
+            <a:prstGeom prst="rect">
+              <a:avLst/>
+            </a:prstGeom>
+            <a:noFill/>
+            <a:extLst>
+              <a:ext uri="{909E8E84-426E-40DD-AFC4-6F175D3DCCD1}">
+                <a14:hiddenFill xmlns:a14="http://schemas.microsoft.com/office/drawing/2010/main">
+                  <a:solidFill>
+                    <a:srgbClr val="FFFFFF"/>
+                  </a:solidFill>
+                </a14:hiddenFill>
+              </a:ext>
+            </a:extLst>
+          </p:spPr>
+        </p:pic>
+        <p:pic>
+          <p:nvPicPr>
+            <p:cNvPr id="17" name="Imagem 16">
+              <a:extLst>
+                <a:ext uri="{FF2B5EF4-FFF2-40B4-BE49-F238E27FC236}">
+                  <a16:creationId xmlns:a16="http://schemas.microsoft.com/office/drawing/2014/main" id="{EB7BD9FA-6FFC-4E6B-B1A6-7FDDF8C9F773}"/>
+                </a:ext>
+              </a:extLst>
+            </p:cNvPr>
+            <p:cNvPicPr>
+              <a:picLocks noChangeAspect="1"/>
+            </p:cNvPicPr>
+            <p:nvPr/>
+          </p:nvPicPr>
+          <p:blipFill>
+            <a:blip r:embed="rId5"/>
+            <a:stretch>
+              <a:fillRect/>
+            </a:stretch>
+          </p:blipFill>
+          <p:spPr>
+            <a:xfrm>
+              <a:off x="5250549" y="116632"/>
+              <a:ext cx="663678" cy="444194"/>
+            </a:xfrm>
+            <a:prstGeom prst="rect">
+              <a:avLst/>
+            </a:prstGeom>
+          </p:spPr>
+        </p:pic>
+        <p:sp>
+          <p:nvSpPr>
+            <p:cNvPr id="18" name="Fluxograma: Processo 17">
+              <a:extLst>
+                <a:ext uri="{FF2B5EF4-FFF2-40B4-BE49-F238E27FC236}">
+                  <a16:creationId xmlns:a16="http://schemas.microsoft.com/office/drawing/2014/main" id="{C5259A97-29D1-4799-A76E-4507D35E0500}"/>
+                </a:ext>
+              </a:extLst>
+            </p:cNvPr>
+            <p:cNvSpPr/>
+            <p:nvPr/>
+          </p:nvSpPr>
+          <p:spPr>
+            <a:xfrm>
+              <a:off x="2629213" y="0"/>
+              <a:ext cx="319404" cy="620688"/>
+            </a:xfrm>
+            <a:prstGeom prst="flowChartProcess">
+              <a:avLst/>
+            </a:prstGeom>
+            <a:solidFill>
+              <a:srgbClr val="9BAAB7"/>
+            </a:solidFill>
+            <a:ln>
+              <a:solidFill>
+                <a:srgbClr val="7D90A1"/>
+              </a:solidFill>
+            </a:ln>
+          </p:spPr>
+          <p:style>
+            <a:lnRef idx="2">
+              <a:schemeClr val="accent1">
+                <a:shade val="50000"/>
+              </a:schemeClr>
+            </a:lnRef>
+            <a:fillRef idx="1">
+              <a:schemeClr val="accent1"/>
+            </a:fillRef>
+            <a:effectRef idx="0">
+              <a:schemeClr val="accent1"/>
+            </a:effectRef>
+            <a:fontRef idx="minor">
+              <a:schemeClr val="lt1"/>
+            </a:fontRef>
+          </p:style>
+          <p:txBody>
+            <a:bodyPr rtlCol="0" anchor="ctr"/>
+            <a:lstStyle/>
+            <a:p>
+              <a:pPr algn="ctr"/>
+              <a:endParaRPr lang="pt-BR"/>
+            </a:p>
+          </p:txBody>
+        </p:sp>
+        <p:sp>
+          <p:nvSpPr>
+            <p:cNvPr id="19" name="Fluxograma: Processo 18">
+              <a:extLst>
+                <a:ext uri="{FF2B5EF4-FFF2-40B4-BE49-F238E27FC236}">
+                  <a16:creationId xmlns:a16="http://schemas.microsoft.com/office/drawing/2014/main" id="{0E073054-A0B6-4F5A-9798-C790EBEBD4F9}"/>
+                </a:ext>
+              </a:extLst>
+            </p:cNvPr>
+            <p:cNvSpPr/>
+            <p:nvPr/>
+          </p:nvSpPr>
+          <p:spPr>
+            <a:xfrm>
+              <a:off x="4909367" y="0"/>
+              <a:ext cx="319404" cy="620688"/>
+            </a:xfrm>
+            <a:prstGeom prst="flowChartProcess">
+              <a:avLst/>
+            </a:prstGeom>
+            <a:solidFill>
+              <a:srgbClr val="9BAAB7"/>
+            </a:solidFill>
+            <a:ln>
+              <a:solidFill>
+                <a:srgbClr val="7D90A1"/>
+              </a:solidFill>
+            </a:ln>
+          </p:spPr>
+          <p:style>
+            <a:lnRef idx="2">
+              <a:schemeClr val="accent1">
+                <a:shade val="50000"/>
+              </a:schemeClr>
+            </a:lnRef>
+            <a:fillRef idx="1">
+              <a:schemeClr val="accent1"/>
+            </a:fillRef>
+            <a:effectRef idx="0">
+              <a:schemeClr val="accent1"/>
+            </a:effectRef>
+            <a:fontRef idx="minor">
+              <a:schemeClr val="lt1"/>
+            </a:fontRef>
+          </p:style>
+          <p:txBody>
+            <a:bodyPr rtlCol="0" anchor="ctr"/>
+            <a:lstStyle/>
+            <a:p>
+              <a:pPr algn="ctr"/>
+              <a:endParaRPr lang="pt-BR"/>
+            </a:p>
+          </p:txBody>
+        </p:sp>
+        <p:sp>
+          <p:nvSpPr>
+            <p:cNvPr id="20" name="Fluxograma: Processo 19">
+              <a:extLst>
+                <a:ext uri="{FF2B5EF4-FFF2-40B4-BE49-F238E27FC236}">
+                  <a16:creationId xmlns:a16="http://schemas.microsoft.com/office/drawing/2014/main" id="{6C728BC0-80BC-410F-B159-9BA2B9CB340D}"/>
+                </a:ext>
+              </a:extLst>
+            </p:cNvPr>
+            <p:cNvSpPr/>
+            <p:nvPr/>
+          </p:nvSpPr>
+          <p:spPr>
+            <a:xfrm>
+              <a:off x="7215168" y="0"/>
+              <a:ext cx="319404" cy="620688"/>
+            </a:xfrm>
+            <a:prstGeom prst="flowChartProcess">
+              <a:avLst/>
+            </a:prstGeom>
+            <a:solidFill>
+              <a:srgbClr val="9BAAB7"/>
+            </a:solidFill>
+            <a:ln>
+              <a:solidFill>
+                <a:srgbClr val="7D90A1"/>
+              </a:solidFill>
+            </a:ln>
+          </p:spPr>
+          <p:style>
+            <a:lnRef idx="2">
+              <a:schemeClr val="accent1">
+                <a:shade val="50000"/>
+              </a:schemeClr>
+            </a:lnRef>
+            <a:fillRef idx="1">
+              <a:schemeClr val="accent1"/>
+            </a:fillRef>
+            <a:effectRef idx="0">
+              <a:schemeClr val="accent1"/>
+            </a:effectRef>
+            <a:fontRef idx="minor">
+              <a:schemeClr val="lt1"/>
+            </a:fontRef>
+          </p:style>
+          <p:txBody>
+            <a:bodyPr rtlCol="0" anchor="ctr"/>
+            <a:lstStyle/>
+            <a:p>
+              <a:pPr algn="ctr"/>
+              <a:endParaRPr lang="pt-BR"/>
+            </a:p>
+          </p:txBody>
+        </p:sp>
+      </p:grpSp>
+    </p:spTree>
+    <p:extLst>
+      <p:ext uri="{BB962C8B-B14F-4D97-AF65-F5344CB8AC3E}">
+        <p14:creationId xmlns:p14="http://schemas.microsoft.com/office/powerpoint/2010/main" val="1442536310"/>
+      </p:ext>
+    </p:extLst>
+  </p:cSld>
+  <p:clrMapOvr>
+    <a:masterClrMapping/>
+  </p:clrMapOvr>
+  <mc:AlternateContent xmlns:mc="http://schemas.openxmlformats.org/markup-compatibility/2006" xmlns:p14="http://schemas.microsoft.com/office/powerpoint/2010/main">
+    <mc:Choice Requires="p14">
+      <p:transition spd="med" p14:dur="700">
+        <p:fade/>
+      </p:transition>
+    </mc:Choice>
+    <mc:Fallback xmlns="">
+      <p:transition spd="med">
+        <p:fade/>
+      </p:transition>
+    </mc:Fallback>
+  </mc:AlternateContent>
+</p:sld>
+</file>
+
+<file path=ppt/slides/slide17.xml><?xml version="1.0" encoding="utf-8"?>
+<p:sld xmlns:a="http://schemas.openxmlformats.org/drawingml/2006/main" xmlns:r="http://schemas.openxmlformats.org/officeDocument/2006/relationships" xmlns:p="http://schemas.openxmlformats.org/presentationml/2006/main">
+  <p:cSld>
+    <p:spTree>
+      <p:nvGrpSpPr>
+        <p:cNvPr id="1" name=""/>
+        <p:cNvGrpSpPr/>
+        <p:nvPr/>
+      </p:nvGrpSpPr>
+      <p:grpSpPr>
+        <a:xfrm>
+          <a:off x="0" y="0"/>
+          <a:ext cx="0" cy="0"/>
+          <a:chOff x="0" y="0"/>
+          <a:chExt cx="0" cy="0"/>
+        </a:xfrm>
+      </p:grpSpPr>
+      <p:sp>
+        <p:nvSpPr>
+          <p:cNvPr id="7" name="Espaço Reservado para Rodapé 6"/>
+          <p:cNvSpPr>
+            <a:spLocks noGrp="1"/>
+          </p:cNvSpPr>
+          <p:nvPr>
+            <p:ph type="ftr" sz="quarter" idx="11"/>
+          </p:nvPr>
+        </p:nvSpPr>
+        <p:spPr>
+          <a:xfrm>
+            <a:off x="6382444" y="6408084"/>
+            <a:ext cx="3974065" cy="365125"/>
+          </a:xfrm>
+        </p:spPr>
+        <p:txBody>
+          <a:bodyPr/>
+          <a:lstStyle/>
+          <a:p>
+            <a:pPr rtl="0"/>
+            <a:r>
+              <a:rPr lang="pt-BR" noProof="0" dirty="0"/>
+              <a:t>Equipe_04</a:t>
+            </a:r>
+          </a:p>
+        </p:txBody>
+      </p:sp>
+      <p:sp>
+        <p:nvSpPr>
+          <p:cNvPr id="8" name="Espaço Reservado para Número de Slide 7"/>
+          <p:cNvSpPr>
+            <a:spLocks noGrp="1"/>
+          </p:cNvSpPr>
+          <p:nvPr>
+            <p:ph type="sldNum" sz="quarter" idx="12"/>
+          </p:nvPr>
+        </p:nvSpPr>
+        <p:spPr/>
+        <p:txBody>
+          <a:bodyPr/>
+          <a:lstStyle/>
+          <a:p>
+            <a:pPr rtl="0"/>
+            <a:fld id="{7DC1BBB0-96F0-4077-A278-0F3FB5C104D3}" type="slidenum">
+              <a:rPr lang="pt-BR" noProof="0" smtClean="0"/>
+              <a:pPr rtl="0"/>
+              <a:t>17</a:t>
             </a:fld>
             <a:endParaRPr lang="pt-BR" noProof="0" dirty="0"/>
           </a:p>
@@ -16870,948 +17856,6 @@
     <p:extLst>
       <p:ext uri="{BB962C8B-B14F-4D97-AF65-F5344CB8AC3E}">
         <p14:creationId xmlns:p14="http://schemas.microsoft.com/office/powerpoint/2010/main" val="40446795"/>
-      </p:ext>
-    </p:extLst>
-  </p:cSld>
-  <p:clrMapOvr>
-    <a:masterClrMapping/>
-  </p:clrMapOvr>
-  <mc:AlternateContent xmlns:mc="http://schemas.openxmlformats.org/markup-compatibility/2006" xmlns:p14="http://schemas.microsoft.com/office/powerpoint/2010/main">
-    <mc:Choice Requires="p14">
-      <p:transition spd="med" p14:dur="700">
-        <p:fade/>
-      </p:transition>
-    </mc:Choice>
-    <mc:Fallback xmlns="">
-      <p:transition spd="med">
-        <p:fade/>
-      </p:transition>
-    </mc:Fallback>
-  </mc:AlternateContent>
-</p:sld>
-</file>
-
-<file path=ppt/slides/slide17.xml><?xml version="1.0" encoding="utf-8"?>
-<p:sld xmlns:a="http://schemas.openxmlformats.org/drawingml/2006/main" xmlns:r="http://schemas.openxmlformats.org/officeDocument/2006/relationships" xmlns:p="http://schemas.openxmlformats.org/presentationml/2006/main">
-  <p:cSld>
-    <p:spTree>
-      <p:nvGrpSpPr>
-        <p:cNvPr id="1" name=""/>
-        <p:cNvGrpSpPr/>
-        <p:nvPr/>
-      </p:nvGrpSpPr>
-      <p:grpSpPr>
-        <a:xfrm>
-          <a:off x="0" y="0"/>
-          <a:ext cx="0" cy="0"/>
-          <a:chOff x="0" y="0"/>
-          <a:chExt cx="0" cy="0"/>
-        </a:xfrm>
-      </p:grpSpPr>
-      <p:sp>
-        <p:nvSpPr>
-          <p:cNvPr id="7" name="Espaço Reservado para Rodapé 6"/>
-          <p:cNvSpPr>
-            <a:spLocks noGrp="1"/>
-          </p:cNvSpPr>
-          <p:nvPr>
-            <p:ph type="ftr" sz="quarter" idx="11"/>
-          </p:nvPr>
-        </p:nvSpPr>
-        <p:spPr/>
-        <p:txBody>
-          <a:bodyPr/>
-          <a:lstStyle/>
-          <a:p>
-            <a:pPr rtl="0"/>
-            <a:r>
-              <a:rPr lang="pt-BR" noProof="0" dirty="0"/>
-              <a:t>Equipe_04</a:t>
-            </a:r>
-          </a:p>
-        </p:txBody>
-      </p:sp>
-      <p:sp>
-        <p:nvSpPr>
-          <p:cNvPr id="8" name="Espaço Reservado para Número de Slide 7"/>
-          <p:cNvSpPr>
-            <a:spLocks noGrp="1"/>
-          </p:cNvSpPr>
-          <p:nvPr>
-            <p:ph type="sldNum" sz="quarter" idx="12"/>
-          </p:nvPr>
-        </p:nvSpPr>
-        <p:spPr/>
-        <p:txBody>
-          <a:bodyPr/>
-          <a:lstStyle/>
-          <a:p>
-            <a:pPr rtl="0"/>
-            <a:fld id="{7DC1BBB0-96F0-4077-A278-0F3FB5C104D3}" type="slidenum">
-              <a:rPr lang="pt-BR" noProof="0" smtClean="0"/>
-              <a:pPr rtl="0"/>
-              <a:t>17</a:t>
-            </a:fld>
-            <a:endParaRPr lang="pt-BR" noProof="0" dirty="0"/>
-          </a:p>
-        </p:txBody>
-      </p:sp>
-      <p:sp>
-        <p:nvSpPr>
-          <p:cNvPr id="5" name="Espaço reservado para conteúdo 13">
-            <a:extLst>
-              <a:ext uri="{FF2B5EF4-FFF2-40B4-BE49-F238E27FC236}">
-                <a16:creationId xmlns:a16="http://schemas.microsoft.com/office/drawing/2014/main" id="{00D5599C-F27A-985B-0D0A-BFDAB1066500}"/>
-              </a:ext>
-            </a:extLst>
-          </p:cNvPr>
-          <p:cNvSpPr txBox="1">
-            <a:spLocks/>
-          </p:cNvSpPr>
-          <p:nvPr/>
-        </p:nvSpPr>
-        <p:spPr>
-          <a:xfrm>
-            <a:off x="1125860" y="2537492"/>
-            <a:ext cx="9685552" cy="3483796"/>
-          </a:xfrm>
-          <a:prstGeom prst="rect">
-            <a:avLst/>
-          </a:prstGeom>
-        </p:spPr>
-        <p:txBody>
-          <a:bodyPr rtlCol="0">
-            <a:normAutofit/>
-          </a:bodyPr>
-          <a:lstStyle>
-            <a:lvl1pPr marL="246888" indent="-246888" algn="l" defTabSz="914400" rtl="0" eaLnBrk="1" latinLnBrk="0" hangingPunct="1">
-              <a:lnSpc>
-                <a:spcPct val="90000"/>
-              </a:lnSpc>
-              <a:spcBef>
-                <a:spcPts val="1400"/>
-              </a:spcBef>
-              <a:buFont typeface="Euphemia" pitchFamily="34" charset="0"/>
-              <a:buChar char="›"/>
-              <a:defRPr sz="2800" kern="1200">
-                <a:solidFill>
-                  <a:schemeClr val="tx1"/>
-                </a:solidFill>
-                <a:latin typeface="+mn-lt"/>
-                <a:ea typeface="+mn-ea"/>
-                <a:cs typeface="+mn-cs"/>
-              </a:defRPr>
-            </a:lvl1pPr>
-            <a:lvl2pPr marL="612648" indent="-246888" algn="l" defTabSz="914400" rtl="0" eaLnBrk="1" latinLnBrk="0" hangingPunct="1">
-              <a:lnSpc>
-                <a:spcPct val="90000"/>
-              </a:lnSpc>
-              <a:spcBef>
-                <a:spcPts val="600"/>
-              </a:spcBef>
-              <a:buFont typeface="Euphemia" pitchFamily="34" charset="0"/>
-              <a:buChar char="–"/>
-              <a:defRPr sz="2400" kern="1200">
-                <a:solidFill>
-                  <a:schemeClr val="tx1"/>
-                </a:solidFill>
-                <a:latin typeface="+mn-lt"/>
-                <a:ea typeface="+mn-ea"/>
-                <a:cs typeface="+mn-cs"/>
-              </a:defRPr>
-            </a:lvl2pPr>
-            <a:lvl3pPr marL="978408" indent="-246888" algn="l" defTabSz="914400" rtl="0" eaLnBrk="1" latinLnBrk="0" hangingPunct="1">
-              <a:lnSpc>
-                <a:spcPct val="90000"/>
-              </a:lnSpc>
-              <a:spcBef>
-                <a:spcPts val="600"/>
-              </a:spcBef>
-              <a:buFont typeface="Euphemia" pitchFamily="34" charset="0"/>
-              <a:buChar char="›"/>
-              <a:defRPr sz="2000" kern="1200">
-                <a:solidFill>
-                  <a:schemeClr val="tx1"/>
-                </a:solidFill>
-                <a:latin typeface="+mn-lt"/>
-                <a:ea typeface="+mn-ea"/>
-                <a:cs typeface="+mn-cs"/>
-              </a:defRPr>
-            </a:lvl3pPr>
-            <a:lvl4pPr marL="1344168" indent="-246888" algn="l" defTabSz="914400" rtl="0" eaLnBrk="1" latinLnBrk="0" hangingPunct="1">
-              <a:lnSpc>
-                <a:spcPct val="90000"/>
-              </a:lnSpc>
-              <a:spcBef>
-                <a:spcPts val="600"/>
-              </a:spcBef>
-              <a:buFont typeface="Arial" pitchFamily="34" charset="0"/>
-              <a:buChar char="–"/>
-              <a:defRPr sz="1800" kern="1200">
-                <a:solidFill>
-                  <a:schemeClr val="tx1"/>
-                </a:solidFill>
-                <a:latin typeface="+mn-lt"/>
-                <a:ea typeface="+mn-ea"/>
-                <a:cs typeface="+mn-cs"/>
-              </a:defRPr>
-            </a:lvl4pPr>
-            <a:lvl5pPr marL="1709928" indent="-246888" algn="l" defTabSz="914400" rtl="0" eaLnBrk="1" latinLnBrk="0" hangingPunct="1">
-              <a:lnSpc>
-                <a:spcPct val="90000"/>
-              </a:lnSpc>
-              <a:spcBef>
-                <a:spcPts val="600"/>
-              </a:spcBef>
-              <a:buFont typeface="Euphemia" pitchFamily="34" charset="0"/>
-              <a:buChar char="›"/>
-              <a:defRPr sz="1800" kern="1200">
-                <a:solidFill>
-                  <a:schemeClr val="tx1"/>
-                </a:solidFill>
-                <a:latin typeface="+mn-lt"/>
-                <a:ea typeface="+mn-ea"/>
-                <a:cs typeface="+mn-cs"/>
-              </a:defRPr>
-            </a:lvl5pPr>
-            <a:lvl6pPr marL="2075688" indent="-246888" algn="l" defTabSz="914400" rtl="0" eaLnBrk="1" latinLnBrk="0" hangingPunct="1">
-              <a:lnSpc>
-                <a:spcPct val="90000"/>
-              </a:lnSpc>
-              <a:spcBef>
-                <a:spcPts val="600"/>
-              </a:spcBef>
-              <a:buFont typeface="Euphemia" pitchFamily="34" charset="0"/>
-              <a:buChar char="–"/>
-              <a:defRPr sz="1800" kern="1200">
-                <a:solidFill>
-                  <a:schemeClr val="tx1"/>
-                </a:solidFill>
-                <a:latin typeface="+mn-lt"/>
-                <a:ea typeface="+mn-ea"/>
-                <a:cs typeface="+mn-cs"/>
-              </a:defRPr>
-            </a:lvl6pPr>
-            <a:lvl7pPr marL="2441448" indent="-246888" algn="l" defTabSz="914400" rtl="0" eaLnBrk="1" latinLnBrk="0" hangingPunct="1">
-              <a:lnSpc>
-                <a:spcPct val="90000"/>
-              </a:lnSpc>
-              <a:spcBef>
-                <a:spcPts val="600"/>
-              </a:spcBef>
-              <a:buFont typeface="Euphemia" pitchFamily="34" charset="0"/>
-              <a:buChar char="›"/>
-              <a:defRPr sz="1800" kern="1200">
-                <a:solidFill>
-                  <a:schemeClr val="tx1"/>
-                </a:solidFill>
-                <a:latin typeface="+mn-lt"/>
-                <a:ea typeface="+mn-ea"/>
-                <a:cs typeface="+mn-cs"/>
-              </a:defRPr>
-            </a:lvl7pPr>
-            <a:lvl8pPr marL="2807208" indent="-246888" algn="l" defTabSz="914400" rtl="0" eaLnBrk="1" latinLnBrk="0" hangingPunct="1">
-              <a:lnSpc>
-                <a:spcPct val="90000"/>
-              </a:lnSpc>
-              <a:spcBef>
-                <a:spcPts val="600"/>
-              </a:spcBef>
-              <a:buFont typeface="Euphemia" pitchFamily="34" charset="0"/>
-              <a:buChar char="–"/>
-              <a:defRPr sz="1800" kern="1200" baseline="0">
-                <a:solidFill>
-                  <a:schemeClr val="tx1"/>
-                </a:solidFill>
-                <a:latin typeface="+mn-lt"/>
-                <a:ea typeface="+mn-ea"/>
-                <a:cs typeface="+mn-cs"/>
-              </a:defRPr>
-            </a:lvl8pPr>
-            <a:lvl9pPr marL="3172968" indent="-246888" algn="l" defTabSz="914400" rtl="0" eaLnBrk="1" latinLnBrk="0" hangingPunct="1">
-              <a:lnSpc>
-                <a:spcPct val="90000"/>
-              </a:lnSpc>
-              <a:spcBef>
-                <a:spcPts val="600"/>
-              </a:spcBef>
-              <a:buFont typeface="Euphemia" pitchFamily="34" charset="0"/>
-              <a:buChar char="›"/>
-              <a:defRPr sz="1800" kern="1200" baseline="0">
-                <a:solidFill>
-                  <a:schemeClr val="tx1"/>
-                </a:solidFill>
-                <a:latin typeface="+mn-lt"/>
-                <a:ea typeface="+mn-ea"/>
-                <a:cs typeface="+mn-cs"/>
-              </a:defRPr>
-            </a:lvl9pPr>
-          </a:lstStyle>
-          <a:p>
-            <a:pPr marL="0" lvl="0" indent="0">
-              <a:buNone/>
-            </a:pPr>
-            <a:r>
-              <a:rPr lang="pt-BR" sz="1600" b="1" dirty="0">
-                <a:latin typeface="Arial" panose="020B0604020202020204" pitchFamily="34" charset="0"/>
-                <a:cs typeface="Arial" panose="020B0604020202020204" pitchFamily="34" charset="0"/>
-              </a:rPr>
-              <a:t>Documentação</a:t>
-            </a:r>
-            <a:r>
-              <a:rPr lang="pt-BR" sz="1600" b="1" dirty="0"/>
-              <a:t>:</a:t>
-            </a:r>
-          </a:p>
-          <a:p>
-            <a:pPr marL="0" lvl="0" indent="0">
-              <a:buNone/>
-            </a:pPr>
-            <a:endParaRPr lang="pt-BR" sz="1200" b="1" dirty="0">
-              <a:latin typeface="Arial" panose="020B0604020202020204" pitchFamily="34" charset="0"/>
-              <a:cs typeface="Arial" panose="020B0604020202020204" pitchFamily="34" charset="0"/>
-            </a:endParaRPr>
-          </a:p>
-          <a:p>
-            <a:pPr lvl="0" algn="just"/>
-            <a:r>
-              <a:rPr lang="pt-BR" sz="1200" b="1" dirty="0">
-                <a:latin typeface="Arial" panose="020B0604020202020204" pitchFamily="34" charset="0"/>
-                <a:cs typeface="Arial" panose="020B0604020202020204" pitchFamily="34" charset="0"/>
-              </a:rPr>
-              <a:t>Objetivo geral: </a:t>
-            </a:r>
-            <a:r>
-              <a:rPr lang="pt-BR" sz="1200" dirty="0">
-                <a:latin typeface="Arial" panose="020B0604020202020204" pitchFamily="34" charset="0"/>
-                <a:cs typeface="Arial" panose="020B0604020202020204" pitchFamily="34" charset="0"/>
-              </a:rPr>
-              <a:t>Diante do objetivo geral, decidiu-se que os colaboradores resolvessem um problema agravante no grupo social, que seria a defasagem do ensino público em relação a redação do ENEM, assim, desenvolvendo um sistema onde o mesmo consiga alcançar grandes números e elevar o nível de estudantes de escola pública.</a:t>
-            </a:r>
-          </a:p>
-          <a:p>
-            <a:pPr lvl="0"/>
-            <a:r>
-              <a:rPr lang="pt-BR" sz="1200" b="1" dirty="0">
-                <a:latin typeface="Arial" panose="020B0604020202020204" pitchFamily="34" charset="0"/>
-                <a:cs typeface="Arial" panose="020B0604020202020204" pitchFamily="34" charset="0"/>
-              </a:rPr>
-              <a:t>Objetivo específico:</a:t>
-            </a:r>
-            <a:r>
-              <a:rPr lang="pt-BR" sz="1200" dirty="0">
-                <a:latin typeface="Arial" panose="020B0604020202020204" pitchFamily="34" charset="0"/>
-                <a:cs typeface="Arial" panose="020B0604020202020204" pitchFamily="34" charset="0"/>
-              </a:rPr>
-              <a:t> Desenvolver um sistema de redação com o foco em estudantes do ensino público.</a:t>
-            </a:r>
-          </a:p>
-          <a:p>
-            <a:pPr lvl="0"/>
-            <a:r>
-              <a:rPr lang="pt-BR" sz="1200" dirty="0">
-                <a:latin typeface="Arial" panose="020B0604020202020204" pitchFamily="34" charset="0"/>
-                <a:cs typeface="Arial" panose="020B0604020202020204" pitchFamily="34" charset="0"/>
-              </a:rPr>
-              <a:t>Desenvolver as funcionalidades do sistema; Os requisitos funcionais e não funcionais.  </a:t>
-            </a:r>
-          </a:p>
-          <a:p>
-            <a:pPr lvl="0"/>
-            <a:r>
-              <a:rPr lang="pt-BR" sz="1200" dirty="0">
-                <a:latin typeface="Arial" panose="020B0604020202020204" pitchFamily="34" charset="0"/>
-                <a:cs typeface="Arial" panose="020B0604020202020204" pitchFamily="34" charset="0"/>
-              </a:rPr>
-              <a:t>Desenvolver gráficos de desempenho, analisar e corrigir aplicações dos usuários com IA.</a:t>
-            </a:r>
-          </a:p>
-          <a:p>
-            <a:pPr lvl="0"/>
-            <a:r>
-              <a:rPr lang="pt-BR" sz="1200" dirty="0">
-                <a:latin typeface="Arial" panose="020B0604020202020204" pitchFamily="34" charset="0"/>
-                <a:cs typeface="Arial" panose="020B0604020202020204" pitchFamily="34" charset="0"/>
-              </a:rPr>
-              <a:t>Realizar testes de usabilidade com usuários-alvo para feedbacks da aplicação.</a:t>
-            </a:r>
-          </a:p>
-          <a:p>
-            <a:pPr lvl="0"/>
-            <a:endParaRPr lang="pt-BR" sz="1200" dirty="0">
-              <a:latin typeface="Arial" panose="020B0604020202020204" pitchFamily="34" charset="0"/>
-              <a:cs typeface="Arial" panose="020B0604020202020204" pitchFamily="34" charset="0"/>
-            </a:endParaRPr>
-          </a:p>
-          <a:p>
-            <a:pPr lvl="0"/>
-            <a:endParaRPr lang="pt-BR" sz="1200" dirty="0">
-              <a:latin typeface="Arial" panose="020B0604020202020204" pitchFamily="34" charset="0"/>
-              <a:cs typeface="Arial" panose="020B0604020202020204" pitchFamily="34" charset="0"/>
-            </a:endParaRPr>
-          </a:p>
-          <a:p>
-            <a:pPr lvl="0"/>
-            <a:endParaRPr lang="pt-BR" sz="1200" dirty="0">
-              <a:latin typeface="Arial" panose="020B0604020202020204" pitchFamily="34" charset="0"/>
-              <a:cs typeface="Arial" panose="020B0604020202020204" pitchFamily="34" charset="0"/>
-            </a:endParaRPr>
-          </a:p>
-        </p:txBody>
-      </p:sp>
-      <p:sp>
-        <p:nvSpPr>
-          <p:cNvPr id="12" name="Título 1">
-            <a:extLst>
-              <a:ext uri="{FF2B5EF4-FFF2-40B4-BE49-F238E27FC236}">
-                <a16:creationId xmlns:a16="http://schemas.microsoft.com/office/drawing/2014/main" id="{F3501BE2-B35A-4995-85C8-2492A5B81BDC}"/>
-              </a:ext>
-            </a:extLst>
-          </p:cNvPr>
-          <p:cNvSpPr txBox="1">
-            <a:spLocks/>
-          </p:cNvSpPr>
-          <p:nvPr/>
-        </p:nvSpPr>
-        <p:spPr>
-          <a:xfrm>
-            <a:off x="1053852" y="836712"/>
-            <a:ext cx="6397054" cy="731260"/>
-          </a:xfrm>
-          <a:prstGeom prst="rect">
-            <a:avLst/>
-          </a:prstGeom>
-        </p:spPr>
-        <p:txBody>
-          <a:bodyPr vert="horz" lIns="91440" tIns="45720" rIns="91440" bIns="45720" rtlCol="0" anchor="b">
-            <a:normAutofit/>
-          </a:bodyPr>
-          <a:lstStyle>
-            <a:lvl1pPr algn="l" defTabSz="914400" rtl="0" eaLnBrk="1" latinLnBrk="0" hangingPunct="1">
-              <a:lnSpc>
-                <a:spcPct val="90000"/>
-              </a:lnSpc>
-              <a:spcBef>
-                <a:spcPct val="0"/>
-              </a:spcBef>
-              <a:buNone/>
-              <a:defRPr sz="3600" kern="1200">
-                <a:solidFill>
-                  <a:schemeClr val="tx1">
-                    <a:lumMod val="75000"/>
-                  </a:schemeClr>
-                </a:solidFill>
-                <a:latin typeface="+mj-lt"/>
-                <a:ea typeface="+mj-ea"/>
-                <a:cs typeface="+mj-cs"/>
-              </a:defRPr>
-            </a:lvl1pPr>
-          </a:lstStyle>
-          <a:p>
-            <a:r>
-              <a:rPr lang="pt-BR" sz="2400" b="1" dirty="0"/>
-              <a:t>Trabalho de Conclusão de Curso</a:t>
-            </a:r>
-          </a:p>
-        </p:txBody>
-      </p:sp>
-      <p:sp>
-        <p:nvSpPr>
-          <p:cNvPr id="13" name="Subtítulo 2">
-            <a:extLst>
-              <a:ext uri="{FF2B5EF4-FFF2-40B4-BE49-F238E27FC236}">
-                <a16:creationId xmlns:a16="http://schemas.microsoft.com/office/drawing/2014/main" id="{7FEEC4A8-07F4-4AD9-82C2-A42A1760F090}"/>
-              </a:ext>
-            </a:extLst>
-          </p:cNvPr>
-          <p:cNvSpPr txBox="1">
-            <a:spLocks/>
-          </p:cNvSpPr>
-          <p:nvPr/>
-        </p:nvSpPr>
-        <p:spPr>
-          <a:xfrm>
-            <a:off x="1053852" y="1506026"/>
-            <a:ext cx="3969503" cy="595313"/>
-          </a:xfrm>
-          <a:prstGeom prst="rect">
-            <a:avLst/>
-          </a:prstGeom>
-        </p:spPr>
-        <p:txBody>
-          <a:bodyPr vert="horz" lIns="91440" tIns="45720" rIns="91440" bIns="45720" rtlCol="0">
-            <a:normAutofit/>
-          </a:bodyPr>
-          <a:lstStyle>
-            <a:lvl1pPr marL="246888" indent="-246888" algn="l" defTabSz="914400" rtl="0" eaLnBrk="1" latinLnBrk="0" hangingPunct="1">
-              <a:lnSpc>
-                <a:spcPct val="90000"/>
-              </a:lnSpc>
-              <a:spcBef>
-                <a:spcPts val="1400"/>
-              </a:spcBef>
-              <a:buFont typeface="Euphemia" pitchFamily="34" charset="0"/>
-              <a:buChar char="›"/>
-              <a:defRPr sz="2800" kern="1200">
-                <a:solidFill>
-                  <a:schemeClr val="tx1"/>
-                </a:solidFill>
-                <a:latin typeface="+mn-lt"/>
-                <a:ea typeface="+mn-ea"/>
-                <a:cs typeface="+mn-cs"/>
-              </a:defRPr>
-            </a:lvl1pPr>
-            <a:lvl2pPr marL="612648" indent="-246888" algn="l" defTabSz="914400" rtl="0" eaLnBrk="1" latinLnBrk="0" hangingPunct="1">
-              <a:lnSpc>
-                <a:spcPct val="90000"/>
-              </a:lnSpc>
-              <a:spcBef>
-                <a:spcPts val="600"/>
-              </a:spcBef>
-              <a:buFont typeface="Euphemia" pitchFamily="34" charset="0"/>
-              <a:buChar char="–"/>
-              <a:defRPr sz="2400" kern="1200">
-                <a:solidFill>
-                  <a:schemeClr val="tx1"/>
-                </a:solidFill>
-                <a:latin typeface="+mn-lt"/>
-                <a:ea typeface="+mn-ea"/>
-                <a:cs typeface="+mn-cs"/>
-              </a:defRPr>
-            </a:lvl2pPr>
-            <a:lvl3pPr marL="978408" indent="-246888" algn="l" defTabSz="914400" rtl="0" eaLnBrk="1" latinLnBrk="0" hangingPunct="1">
-              <a:lnSpc>
-                <a:spcPct val="90000"/>
-              </a:lnSpc>
-              <a:spcBef>
-                <a:spcPts val="600"/>
-              </a:spcBef>
-              <a:buFont typeface="Euphemia" pitchFamily="34" charset="0"/>
-              <a:buChar char="›"/>
-              <a:defRPr sz="2000" kern="1200">
-                <a:solidFill>
-                  <a:schemeClr val="tx1"/>
-                </a:solidFill>
-                <a:latin typeface="+mn-lt"/>
-                <a:ea typeface="+mn-ea"/>
-                <a:cs typeface="+mn-cs"/>
-              </a:defRPr>
-            </a:lvl3pPr>
-            <a:lvl4pPr marL="1344168" indent="-246888" algn="l" defTabSz="914400" rtl="0" eaLnBrk="1" latinLnBrk="0" hangingPunct="1">
-              <a:lnSpc>
-                <a:spcPct val="90000"/>
-              </a:lnSpc>
-              <a:spcBef>
-                <a:spcPts val="600"/>
-              </a:spcBef>
-              <a:buFont typeface="Arial" pitchFamily="34" charset="0"/>
-              <a:buChar char="–"/>
-              <a:defRPr sz="1800" kern="1200">
-                <a:solidFill>
-                  <a:schemeClr val="tx1"/>
-                </a:solidFill>
-                <a:latin typeface="+mn-lt"/>
-                <a:ea typeface="+mn-ea"/>
-                <a:cs typeface="+mn-cs"/>
-              </a:defRPr>
-            </a:lvl4pPr>
-            <a:lvl5pPr marL="1709928" indent="-246888" algn="l" defTabSz="914400" rtl="0" eaLnBrk="1" latinLnBrk="0" hangingPunct="1">
-              <a:lnSpc>
-                <a:spcPct val="90000"/>
-              </a:lnSpc>
-              <a:spcBef>
-                <a:spcPts val="600"/>
-              </a:spcBef>
-              <a:buFont typeface="Euphemia" pitchFamily="34" charset="0"/>
-              <a:buChar char="›"/>
-              <a:defRPr sz="1800" kern="1200">
-                <a:solidFill>
-                  <a:schemeClr val="tx1"/>
-                </a:solidFill>
-                <a:latin typeface="+mn-lt"/>
-                <a:ea typeface="+mn-ea"/>
-                <a:cs typeface="+mn-cs"/>
-              </a:defRPr>
-            </a:lvl5pPr>
-            <a:lvl6pPr marL="2075688" indent="-246888" algn="l" defTabSz="914400" rtl="0" eaLnBrk="1" latinLnBrk="0" hangingPunct="1">
-              <a:lnSpc>
-                <a:spcPct val="90000"/>
-              </a:lnSpc>
-              <a:spcBef>
-                <a:spcPts val="600"/>
-              </a:spcBef>
-              <a:buFont typeface="Euphemia" pitchFamily="34" charset="0"/>
-              <a:buChar char="–"/>
-              <a:defRPr sz="1800" kern="1200">
-                <a:solidFill>
-                  <a:schemeClr val="tx1"/>
-                </a:solidFill>
-                <a:latin typeface="+mn-lt"/>
-                <a:ea typeface="+mn-ea"/>
-                <a:cs typeface="+mn-cs"/>
-              </a:defRPr>
-            </a:lvl6pPr>
-            <a:lvl7pPr marL="2441448" indent="-246888" algn="l" defTabSz="914400" rtl="0" eaLnBrk="1" latinLnBrk="0" hangingPunct="1">
-              <a:lnSpc>
-                <a:spcPct val="90000"/>
-              </a:lnSpc>
-              <a:spcBef>
-                <a:spcPts val="600"/>
-              </a:spcBef>
-              <a:buFont typeface="Euphemia" pitchFamily="34" charset="0"/>
-              <a:buChar char="›"/>
-              <a:defRPr sz="1800" kern="1200">
-                <a:solidFill>
-                  <a:schemeClr val="tx1"/>
-                </a:solidFill>
-                <a:latin typeface="+mn-lt"/>
-                <a:ea typeface="+mn-ea"/>
-                <a:cs typeface="+mn-cs"/>
-              </a:defRPr>
-            </a:lvl7pPr>
-            <a:lvl8pPr marL="2807208" indent="-246888" algn="l" defTabSz="914400" rtl="0" eaLnBrk="1" latinLnBrk="0" hangingPunct="1">
-              <a:lnSpc>
-                <a:spcPct val="90000"/>
-              </a:lnSpc>
-              <a:spcBef>
-                <a:spcPts val="600"/>
-              </a:spcBef>
-              <a:buFont typeface="Euphemia" pitchFamily="34" charset="0"/>
-              <a:buChar char="–"/>
-              <a:defRPr sz="1800" kern="1200" baseline="0">
-                <a:solidFill>
-                  <a:schemeClr val="tx1"/>
-                </a:solidFill>
-                <a:latin typeface="+mn-lt"/>
-                <a:ea typeface="+mn-ea"/>
-                <a:cs typeface="+mn-cs"/>
-              </a:defRPr>
-            </a:lvl8pPr>
-            <a:lvl9pPr marL="3172968" indent="-246888" algn="l" defTabSz="914400" rtl="0" eaLnBrk="1" latinLnBrk="0" hangingPunct="1">
-              <a:lnSpc>
-                <a:spcPct val="90000"/>
-              </a:lnSpc>
-              <a:spcBef>
-                <a:spcPts val="600"/>
-              </a:spcBef>
-              <a:buFont typeface="Euphemia" pitchFamily="34" charset="0"/>
-              <a:buChar char="›"/>
-              <a:defRPr sz="1800" kern="1200" baseline="0">
-                <a:solidFill>
-                  <a:schemeClr val="tx1"/>
-                </a:solidFill>
-                <a:latin typeface="+mn-lt"/>
-                <a:ea typeface="+mn-ea"/>
-                <a:cs typeface="+mn-cs"/>
-              </a:defRPr>
-            </a:lvl9pPr>
-          </a:lstStyle>
-          <a:p>
-            <a:pPr marL="0" indent="0">
-              <a:buFont typeface="Euphemia" pitchFamily="34" charset="0"/>
-              <a:buNone/>
-            </a:pPr>
-            <a:r>
-              <a:rPr lang="pt-BR" sz="1800" dirty="0"/>
-              <a:t>Desenvolvimento de Sistemas</a:t>
-            </a:r>
-          </a:p>
-        </p:txBody>
-      </p:sp>
-      <p:grpSp>
-        <p:nvGrpSpPr>
-          <p:cNvPr id="14" name="Agrupar 13">
-            <a:extLst>
-              <a:ext uri="{FF2B5EF4-FFF2-40B4-BE49-F238E27FC236}">
-                <a16:creationId xmlns:a16="http://schemas.microsoft.com/office/drawing/2014/main" id="{28C9900E-F1CC-4BE7-928F-0A2F1D43B25F}"/>
-              </a:ext>
-            </a:extLst>
-          </p:cNvPr>
-          <p:cNvGrpSpPr/>
-          <p:nvPr/>
-        </p:nvGrpSpPr>
-        <p:grpSpPr>
-          <a:xfrm>
-            <a:off x="2629213" y="0"/>
-            <a:ext cx="6913821" cy="620688"/>
-            <a:chOff x="2629213" y="0"/>
-            <a:chExt cx="6913821" cy="620688"/>
-          </a:xfrm>
-        </p:grpSpPr>
-        <p:pic>
-          <p:nvPicPr>
-            <p:cNvPr id="15" name="Imagem 14">
-              <a:extLst>
-                <a:ext uri="{FF2B5EF4-FFF2-40B4-BE49-F238E27FC236}">
-                  <a16:creationId xmlns:a16="http://schemas.microsoft.com/office/drawing/2014/main" id="{17961CBA-A4C8-42AD-BC69-D633DC8D60C7}"/>
-                </a:ext>
-              </a:extLst>
-            </p:cNvPr>
-            <p:cNvPicPr>
-              <a:picLocks noChangeAspect="1"/>
-            </p:cNvPicPr>
-            <p:nvPr/>
-          </p:nvPicPr>
-          <p:blipFill>
-            <a:blip r:embed="rId3"/>
-            <a:stretch>
-              <a:fillRect/>
-            </a:stretch>
-          </p:blipFill>
-          <p:spPr>
-            <a:xfrm>
-              <a:off x="7544163" y="84791"/>
-              <a:ext cx="1998871" cy="444194"/>
-            </a:xfrm>
-            <a:prstGeom prst="rect">
-              <a:avLst/>
-            </a:prstGeom>
-          </p:spPr>
-        </p:pic>
-        <p:pic>
-          <p:nvPicPr>
-            <p:cNvPr id="16" name="Imagem 15" descr="Desenho com traços pretos em fundo branco e letras pretas em fundo branco&#10;&#10;Descrição gerada automaticamente com confiança média">
-              <a:extLst>
-                <a:ext uri="{FF2B5EF4-FFF2-40B4-BE49-F238E27FC236}">
-                  <a16:creationId xmlns:a16="http://schemas.microsoft.com/office/drawing/2014/main" id="{AA02075C-F6AE-4B2B-979B-D8D6D9606364}"/>
-                </a:ext>
-              </a:extLst>
-            </p:cNvPr>
-            <p:cNvPicPr>
-              <a:picLocks noChangeAspect="1" noChangeArrowheads="1"/>
-            </p:cNvPicPr>
-            <p:nvPr/>
-          </p:nvPicPr>
-          <p:blipFill>
-            <a:blip r:embed="rId4">
-              <a:extLst>
-                <a:ext uri="{28A0092B-C50C-407E-A947-70E740481C1C}">
-                  <a14:useLocalDpi xmlns:a14="http://schemas.microsoft.com/office/drawing/2010/main" val="0"/>
-                </a:ext>
-              </a:extLst>
-            </a:blip>
-            <a:srcRect/>
-            <a:stretch>
-              <a:fillRect/>
-            </a:stretch>
-          </p:blipFill>
-          <p:spPr bwMode="auto">
-            <a:xfrm>
-              <a:off x="2948617" y="116632"/>
-              <a:ext cx="673021" cy="444194"/>
-            </a:xfrm>
-            <a:prstGeom prst="rect">
-              <a:avLst/>
-            </a:prstGeom>
-            <a:noFill/>
-            <a:extLst>
-              <a:ext uri="{909E8E84-426E-40DD-AFC4-6F175D3DCCD1}">
-                <a14:hiddenFill xmlns:a14="http://schemas.microsoft.com/office/drawing/2010/main">
-                  <a:solidFill>
-                    <a:srgbClr val="FFFFFF"/>
-                  </a:solidFill>
-                </a14:hiddenFill>
-              </a:ext>
-            </a:extLst>
-          </p:spPr>
-        </p:pic>
-        <p:pic>
-          <p:nvPicPr>
-            <p:cNvPr id="17" name="Imagem 16">
-              <a:extLst>
-                <a:ext uri="{FF2B5EF4-FFF2-40B4-BE49-F238E27FC236}">
-                  <a16:creationId xmlns:a16="http://schemas.microsoft.com/office/drawing/2014/main" id="{EB7BD9FA-6FFC-4E6B-B1A6-7FDDF8C9F773}"/>
-                </a:ext>
-              </a:extLst>
-            </p:cNvPr>
-            <p:cNvPicPr>
-              <a:picLocks noChangeAspect="1"/>
-            </p:cNvPicPr>
-            <p:nvPr/>
-          </p:nvPicPr>
-          <p:blipFill>
-            <a:blip r:embed="rId5"/>
-            <a:stretch>
-              <a:fillRect/>
-            </a:stretch>
-          </p:blipFill>
-          <p:spPr>
-            <a:xfrm>
-              <a:off x="5250549" y="116632"/>
-              <a:ext cx="663678" cy="444194"/>
-            </a:xfrm>
-            <a:prstGeom prst="rect">
-              <a:avLst/>
-            </a:prstGeom>
-          </p:spPr>
-        </p:pic>
-        <p:sp>
-          <p:nvSpPr>
-            <p:cNvPr id="18" name="Fluxograma: Processo 17">
-              <a:extLst>
-                <a:ext uri="{FF2B5EF4-FFF2-40B4-BE49-F238E27FC236}">
-                  <a16:creationId xmlns:a16="http://schemas.microsoft.com/office/drawing/2014/main" id="{C5259A97-29D1-4799-A76E-4507D35E0500}"/>
-                </a:ext>
-              </a:extLst>
-            </p:cNvPr>
-            <p:cNvSpPr/>
-            <p:nvPr/>
-          </p:nvSpPr>
-          <p:spPr>
-            <a:xfrm>
-              <a:off x="2629213" y="0"/>
-              <a:ext cx="319404" cy="620688"/>
-            </a:xfrm>
-            <a:prstGeom prst="flowChartProcess">
-              <a:avLst/>
-            </a:prstGeom>
-            <a:solidFill>
-              <a:srgbClr val="9BAAB7"/>
-            </a:solidFill>
-            <a:ln>
-              <a:solidFill>
-                <a:srgbClr val="7D90A1"/>
-              </a:solidFill>
-            </a:ln>
-          </p:spPr>
-          <p:style>
-            <a:lnRef idx="2">
-              <a:schemeClr val="accent1">
-                <a:shade val="50000"/>
-              </a:schemeClr>
-            </a:lnRef>
-            <a:fillRef idx="1">
-              <a:schemeClr val="accent1"/>
-            </a:fillRef>
-            <a:effectRef idx="0">
-              <a:schemeClr val="accent1"/>
-            </a:effectRef>
-            <a:fontRef idx="minor">
-              <a:schemeClr val="lt1"/>
-            </a:fontRef>
-          </p:style>
-          <p:txBody>
-            <a:bodyPr rtlCol="0" anchor="ctr"/>
-            <a:lstStyle/>
-            <a:p>
-              <a:pPr algn="ctr"/>
-              <a:endParaRPr lang="pt-BR"/>
-            </a:p>
-          </p:txBody>
-        </p:sp>
-        <p:sp>
-          <p:nvSpPr>
-            <p:cNvPr id="19" name="Fluxograma: Processo 18">
-              <a:extLst>
-                <a:ext uri="{FF2B5EF4-FFF2-40B4-BE49-F238E27FC236}">
-                  <a16:creationId xmlns:a16="http://schemas.microsoft.com/office/drawing/2014/main" id="{0E073054-A0B6-4F5A-9798-C790EBEBD4F9}"/>
-                </a:ext>
-              </a:extLst>
-            </p:cNvPr>
-            <p:cNvSpPr/>
-            <p:nvPr/>
-          </p:nvSpPr>
-          <p:spPr>
-            <a:xfrm>
-              <a:off x="4909367" y="0"/>
-              <a:ext cx="319404" cy="620688"/>
-            </a:xfrm>
-            <a:prstGeom prst="flowChartProcess">
-              <a:avLst/>
-            </a:prstGeom>
-            <a:solidFill>
-              <a:srgbClr val="9BAAB7"/>
-            </a:solidFill>
-            <a:ln>
-              <a:solidFill>
-                <a:srgbClr val="7D90A1"/>
-              </a:solidFill>
-            </a:ln>
-          </p:spPr>
-          <p:style>
-            <a:lnRef idx="2">
-              <a:schemeClr val="accent1">
-                <a:shade val="50000"/>
-              </a:schemeClr>
-            </a:lnRef>
-            <a:fillRef idx="1">
-              <a:schemeClr val="accent1"/>
-            </a:fillRef>
-            <a:effectRef idx="0">
-              <a:schemeClr val="accent1"/>
-            </a:effectRef>
-            <a:fontRef idx="minor">
-              <a:schemeClr val="lt1"/>
-            </a:fontRef>
-          </p:style>
-          <p:txBody>
-            <a:bodyPr rtlCol="0" anchor="ctr"/>
-            <a:lstStyle/>
-            <a:p>
-              <a:pPr algn="ctr"/>
-              <a:endParaRPr lang="pt-BR"/>
-            </a:p>
-          </p:txBody>
-        </p:sp>
-        <p:sp>
-          <p:nvSpPr>
-            <p:cNvPr id="20" name="Fluxograma: Processo 19">
-              <a:extLst>
-                <a:ext uri="{FF2B5EF4-FFF2-40B4-BE49-F238E27FC236}">
-                  <a16:creationId xmlns:a16="http://schemas.microsoft.com/office/drawing/2014/main" id="{6C728BC0-80BC-410F-B159-9BA2B9CB340D}"/>
-                </a:ext>
-              </a:extLst>
-            </p:cNvPr>
-            <p:cNvSpPr/>
-            <p:nvPr/>
-          </p:nvSpPr>
-          <p:spPr>
-            <a:xfrm>
-              <a:off x="7215168" y="0"/>
-              <a:ext cx="319404" cy="620688"/>
-            </a:xfrm>
-            <a:prstGeom prst="flowChartProcess">
-              <a:avLst/>
-            </a:prstGeom>
-            <a:solidFill>
-              <a:srgbClr val="9BAAB7"/>
-            </a:solidFill>
-            <a:ln>
-              <a:solidFill>
-                <a:srgbClr val="7D90A1"/>
-              </a:solidFill>
-            </a:ln>
-          </p:spPr>
-          <p:style>
-            <a:lnRef idx="2">
-              <a:schemeClr val="accent1">
-                <a:shade val="50000"/>
-              </a:schemeClr>
-            </a:lnRef>
-            <a:fillRef idx="1">
-              <a:schemeClr val="accent1"/>
-            </a:fillRef>
-            <a:effectRef idx="0">
-              <a:schemeClr val="accent1"/>
-            </a:effectRef>
-            <a:fontRef idx="minor">
-              <a:schemeClr val="lt1"/>
-            </a:fontRef>
-          </p:style>
-          <p:txBody>
-            <a:bodyPr rtlCol="0" anchor="ctr"/>
-            <a:lstStyle/>
-            <a:p>
-              <a:pPr algn="ctr"/>
-              <a:endParaRPr lang="pt-BR"/>
-            </a:p>
-          </p:txBody>
-        </p:sp>
-      </p:grpSp>
-    </p:spTree>
-    <p:extLst>
-      <p:ext uri="{BB962C8B-B14F-4D97-AF65-F5344CB8AC3E}">
-        <p14:creationId xmlns:p14="http://schemas.microsoft.com/office/powerpoint/2010/main" val="1442536310"/>
       </p:ext>
     </p:extLst>
   </p:cSld>
@@ -24966,6 +25010,15 @@
 </file>
 
 <file path=customXml/item1.xml><?xml version="1.0" encoding="utf-8"?>
+<?mso-contentType ?>
+<FormTemplates xmlns="http://schemas.microsoft.com/sharepoint/v3/contenttype/forms">
+  <Display>DocumentLibraryForm</Display>
+  <Edit>DocumentLibraryForm</Edit>
+  <New>DocumentLibraryForm</New>
+</FormTemplates>
+</file>
+
+<file path=customXml/item2.xml><?xml version="1.0" encoding="utf-8"?>
 <ct:contentTypeSchema xmlns:ct="http://schemas.microsoft.com/office/2006/metadata/contentType" xmlns:ma="http://schemas.microsoft.com/office/2006/metadata/properties/metaAttributes" ct:_="" ma:_="" ma:contentTypeName="Documento" ma:contentTypeID="0x010100A5F461AC17AACA4E874D5CF2184E6C0C" ma:contentTypeVersion="10" ma:contentTypeDescription="Crie um novo documento." ma:contentTypeScope="" ma:versionID="ce7f9022ec1ac27c76e0c516a34f5925">
   <xsd:schema xmlns:xsd="http://www.w3.org/2001/XMLSchema" xmlns:xs="http://www.w3.org/2001/XMLSchema" xmlns:p="http://schemas.microsoft.com/office/2006/metadata/properties" xmlns:ns2="2744d390-2e3d-48e1-bc90-6bb95cb2359f" xmlns:ns3="ad5896ab-7e42-4cd5-83fd-c8cacde1cd42" targetNamespace="http://schemas.microsoft.com/office/2006/metadata/properties" ma:root="true" ma:fieldsID="ad5366b67ea7d2313705f508e08b28c2" ns2:_="" ns3:_="">
     <xsd:import namespace="2744d390-2e3d-48e1-bc90-6bb95cb2359f"/>
@@ -25154,15 +25207,6 @@
 </ct:contentTypeSchema>
 </file>
 
-<file path=customXml/item2.xml><?xml version="1.0" encoding="utf-8"?>
-<?mso-contentType ?>
-<FormTemplates xmlns="http://schemas.microsoft.com/sharepoint/v3/contenttype/forms">
-  <Display>DocumentLibraryForm</Display>
-  <Edit>DocumentLibraryForm</Edit>
-  <New>DocumentLibraryForm</New>
-</FormTemplates>
-</file>
-
 <file path=customXml/item3.xml><?xml version="1.0" encoding="utf-8"?>
 <p:properties xmlns:p="http://schemas.microsoft.com/office/2006/metadata/properties" xmlns:xsi="http://www.w3.org/2001/XMLSchema-instance" xmlns:pc="http://schemas.microsoft.com/office/infopath/2007/PartnerControls">
   <documentManagement>
@@ -25175,6 +25219,14 @@
 </file>
 
 <file path=customXml/itemProps1.xml><?xml version="1.0" encoding="utf-8"?>
+<ds:datastoreItem xmlns:ds="http://schemas.openxmlformats.org/officeDocument/2006/customXml" ds:itemID="{21921D19-86FA-4CD0-9E63-80556BBC4F39}">
+  <ds:schemaRefs>
+    <ds:schemaRef ds:uri="http://schemas.microsoft.com/sharepoint/v3/contenttype/forms"/>
+  </ds:schemaRefs>
+</ds:datastoreItem>
+</file>
+
+<file path=customXml/itemProps2.xml><?xml version="1.0" encoding="utf-8"?>
 <ds:datastoreItem xmlns:ds="http://schemas.openxmlformats.org/officeDocument/2006/customXml" ds:itemID="{D092EE48-90EC-437F-8B53-56673613E964}">
   <ds:schemaRefs>
     <ds:schemaRef ds:uri="http://schemas.microsoft.com/office/2006/metadata/contentType"/>
@@ -25193,27 +25245,19 @@
 </ds:datastoreItem>
 </file>
 
-<file path=customXml/itemProps2.xml><?xml version="1.0" encoding="utf-8"?>
-<ds:datastoreItem xmlns:ds="http://schemas.openxmlformats.org/officeDocument/2006/customXml" ds:itemID="{21921D19-86FA-4CD0-9E63-80556BBC4F39}">
-  <ds:schemaRefs>
-    <ds:schemaRef ds:uri="http://schemas.microsoft.com/sharepoint/v3/contenttype/forms"/>
-  </ds:schemaRefs>
-</ds:datastoreItem>
-</file>
-
 <file path=customXml/itemProps3.xml><?xml version="1.0" encoding="utf-8"?>
 <ds:datastoreItem xmlns:ds="http://schemas.openxmlformats.org/officeDocument/2006/customXml" ds:itemID="{241C8876-6DAA-45D3-9BDC-516F7FCA0414}">
   <ds:schemaRefs>
+    <ds:schemaRef ds:uri="http://schemas.microsoft.com/office/2006/metadata/properties"/>
+    <ds:schemaRef ds:uri="http://www.w3.org/XML/1998/namespace"/>
     <ds:schemaRef ds:uri="http://schemas.microsoft.com/office/2006/documentManagement/types"/>
+    <ds:schemaRef ds:uri="http://purl.org/dc/dcmitype/"/>
+    <ds:schemaRef ds:uri="2744d390-2e3d-48e1-bc90-6bb95cb2359f"/>
+    <ds:schemaRef ds:uri="http://purl.org/dc/terms/"/>
+    <ds:schemaRef ds:uri="http://purl.org/dc/elements/1.1/"/>
+    <ds:schemaRef ds:uri="ad5896ab-7e42-4cd5-83fd-c8cacde1cd42"/>
+    <ds:schemaRef ds:uri="http://schemas.microsoft.com/office/infopath/2007/PartnerControls"/>
     <ds:schemaRef ds:uri="http://schemas.openxmlformats.org/package/2006/metadata/core-properties"/>
-    <ds:schemaRef ds:uri="http://purl.org/dc/dcmitype/"/>
-    <ds:schemaRef ds:uri="http://schemas.microsoft.com/office/2006/metadata/properties"/>
-    <ds:schemaRef ds:uri="http://purl.org/dc/terms/"/>
-    <ds:schemaRef ds:uri="http://www.w3.org/XML/1998/namespace"/>
-    <ds:schemaRef ds:uri="2744d390-2e3d-48e1-bc90-6bb95cb2359f"/>
-    <ds:schemaRef ds:uri="http://purl.org/dc/elements/1.1/"/>
-    <ds:schemaRef ds:uri="http://schemas.microsoft.com/office/infopath/2007/PartnerControls"/>
-    <ds:schemaRef ds:uri="ad5896ab-7e42-4cd5-83fd-c8cacde1cd42"/>
   </ds:schemaRefs>
 </ds:datastoreItem>
 </file>